--- a/document/プレゼンテーション資料/縁count.pptx
+++ b/document/プレゼンテーション資料/縁count.pptx
@@ -8,7 +8,8 @@
     <p:sldId id="256" r:id="rId2"/>
     <p:sldId id="257" r:id="rId3"/>
     <p:sldId id="259" r:id="rId4"/>
-    <p:sldId id="258" r:id="rId5"/>
+    <p:sldId id="260" r:id="rId5"/>
+    <p:sldId id="261" r:id="rId6"/>
   </p:sldIdLst>
   <p:sldSz cx="12192000" cy="6858000"/>
   <p:notesSz cx="6858000" cy="9144000"/>
@@ -107,7 +108,245 @@
       </a:defRPr>
     </a:lvl9pPr>
   </p:defaultTextStyle>
+  <p:extLst>
+    <p:ext uri="{EFAFB233-063F-42B5-8137-9DF3F51BA10A}">
+      <p15:sldGuideLst xmlns:p15="http://schemas.microsoft.com/office/powerpoint/2012/main"/>
+    </p:ext>
+  </p:extLst>
 </p:presentation>
+</file>
+
+<file path=ppt/changesInfos/changesInfo1.xml><?xml version="1.0" encoding="utf-8"?>
+<pc:chgInfo xmlns:a="http://schemas.openxmlformats.org/drawingml/2006/main" xmlns:r="http://schemas.openxmlformats.org/officeDocument/2006/relationships" xmlns:ac="http://schemas.microsoft.com/office/drawing/2013/main/command" xmlns:pc="http://schemas.microsoft.com/office/powerpoint/2013/main/command">
+  <pc:docChgLst>
+    <pc:chgData name="弘佑 永井" userId="54fd41506f0d43af" providerId="LiveId" clId="{BBFFC72F-D48D-41F0-816A-EDCAF5843F4A}"/>
+    <pc:docChg chg="undo redo custSel addSld delSld modSld sldOrd">
+      <pc:chgData name="弘佑 永井" userId="54fd41506f0d43af" providerId="LiveId" clId="{BBFFC72F-D48D-41F0-816A-EDCAF5843F4A}" dt="2023-10-05T05:32:43.478" v="678" actId="47"/>
+      <pc:docMkLst>
+        <pc:docMk/>
+      </pc:docMkLst>
+      <pc:sldChg chg="modSp mod">
+        <pc:chgData name="弘佑 永井" userId="54fd41506f0d43af" providerId="LiveId" clId="{BBFFC72F-D48D-41F0-816A-EDCAF5843F4A}" dt="2023-10-05T05:32:41.666" v="676" actId="20577"/>
+        <pc:sldMkLst>
+          <pc:docMk/>
+          <pc:sldMk cId="4025127420" sldId="257"/>
+        </pc:sldMkLst>
+        <pc:spChg chg="mod">
+          <ac:chgData name="弘佑 永井" userId="54fd41506f0d43af" providerId="LiveId" clId="{BBFFC72F-D48D-41F0-816A-EDCAF5843F4A}" dt="2023-10-05T05:06:29.689" v="10" actId="113"/>
+          <ac:spMkLst>
+            <pc:docMk/>
+            <pc:sldMk cId="4025127420" sldId="257"/>
+            <ac:spMk id="2" creationId="{29CBEF91-EF07-B474-EE65-8A86109BCE88}"/>
+          </ac:spMkLst>
+        </pc:spChg>
+        <pc:spChg chg="mod">
+          <ac:chgData name="弘佑 永井" userId="54fd41506f0d43af" providerId="LiveId" clId="{BBFFC72F-D48D-41F0-816A-EDCAF5843F4A}" dt="2023-10-05T05:32:41.666" v="676" actId="20577"/>
+          <ac:spMkLst>
+            <pc:docMk/>
+            <pc:sldMk cId="4025127420" sldId="257"/>
+            <ac:spMk id="3" creationId="{D40BBEE7-D981-3C31-8DB4-4C571C78E7DA}"/>
+          </ac:spMkLst>
+        </pc:spChg>
+      </pc:sldChg>
+      <pc:sldChg chg="add del">
+        <pc:chgData name="弘佑 永井" userId="54fd41506f0d43af" providerId="LiveId" clId="{BBFFC72F-D48D-41F0-816A-EDCAF5843F4A}" dt="2023-10-05T05:32:43.478" v="678" actId="47"/>
+        <pc:sldMkLst>
+          <pc:docMk/>
+          <pc:sldMk cId="925824766" sldId="258"/>
+        </pc:sldMkLst>
+      </pc:sldChg>
+      <pc:sldChg chg="addSp delSp modSp mod">
+        <pc:chgData name="弘佑 永井" userId="54fd41506f0d43af" providerId="LiveId" clId="{BBFFC72F-D48D-41F0-816A-EDCAF5843F4A}" dt="2023-10-05T05:26:07.951" v="558" actId="1076"/>
+        <pc:sldMkLst>
+          <pc:docMk/>
+          <pc:sldMk cId="3702738920" sldId="259"/>
+        </pc:sldMkLst>
+        <pc:spChg chg="mod">
+          <ac:chgData name="弘佑 永井" userId="54fd41506f0d43af" providerId="LiveId" clId="{BBFFC72F-D48D-41F0-816A-EDCAF5843F4A}" dt="2023-10-05T05:10:36.173" v="148" actId="1036"/>
+          <ac:spMkLst>
+            <pc:docMk/>
+            <pc:sldMk cId="3702738920" sldId="259"/>
+            <ac:spMk id="2" creationId="{29CBEF91-EF07-B474-EE65-8A86109BCE88}"/>
+          </ac:spMkLst>
+        </pc:spChg>
+        <pc:spChg chg="del">
+          <ac:chgData name="弘佑 永井" userId="54fd41506f0d43af" providerId="LiveId" clId="{BBFFC72F-D48D-41F0-816A-EDCAF5843F4A}" dt="2023-10-05T05:04:39.207" v="0" actId="478"/>
+          <ac:spMkLst>
+            <pc:docMk/>
+            <pc:sldMk cId="3702738920" sldId="259"/>
+            <ac:spMk id="3" creationId="{D40BBEE7-D981-3C31-8DB4-4C571C78E7DA}"/>
+          </ac:spMkLst>
+        </pc:spChg>
+        <pc:spChg chg="add mod">
+          <ac:chgData name="弘佑 永井" userId="54fd41506f0d43af" providerId="LiveId" clId="{BBFFC72F-D48D-41F0-816A-EDCAF5843F4A}" dt="2023-10-05T05:24:00.962" v="496" actId="1037"/>
+          <ac:spMkLst>
+            <pc:docMk/>
+            <pc:sldMk cId="3702738920" sldId="259"/>
+            <ac:spMk id="4" creationId="{68FF3178-FB69-BB84-202C-FC25ACCA52A1}"/>
+          </ac:spMkLst>
+        </pc:spChg>
+        <pc:spChg chg="add mod">
+          <ac:chgData name="弘佑 永井" userId="54fd41506f0d43af" providerId="LiveId" clId="{BBFFC72F-D48D-41F0-816A-EDCAF5843F4A}" dt="2023-10-05T05:24:16.742" v="532" actId="1038"/>
+          <ac:spMkLst>
+            <pc:docMk/>
+            <pc:sldMk cId="3702738920" sldId="259"/>
+            <ac:spMk id="5" creationId="{14D8BD8E-35CA-D4F4-987C-24EE642D3BF9}"/>
+          </ac:spMkLst>
+        </pc:spChg>
+        <pc:spChg chg="add mod">
+          <ac:chgData name="弘佑 永井" userId="54fd41506f0d43af" providerId="LiveId" clId="{BBFFC72F-D48D-41F0-816A-EDCAF5843F4A}" dt="2023-10-05T05:24:20.712" v="544" actId="1038"/>
+          <ac:spMkLst>
+            <pc:docMk/>
+            <pc:sldMk cId="3702738920" sldId="259"/>
+            <ac:spMk id="6" creationId="{33A2B069-8AB2-550E-C97A-D8CE24636261}"/>
+          </ac:spMkLst>
+        </pc:spChg>
+        <pc:spChg chg="add mod">
+          <ac:chgData name="弘佑 永井" userId="54fd41506f0d43af" providerId="LiveId" clId="{BBFFC72F-D48D-41F0-816A-EDCAF5843F4A}" dt="2023-10-05T05:24:12.762" v="528" actId="1038"/>
+          <ac:spMkLst>
+            <pc:docMk/>
+            <pc:sldMk cId="3702738920" sldId="259"/>
+            <ac:spMk id="7" creationId="{2A9B8F24-F714-1AE3-0B76-8EC0D8E49EB4}"/>
+          </ac:spMkLst>
+        </pc:spChg>
+        <pc:spChg chg="add mod">
+          <ac:chgData name="弘佑 永井" userId="54fd41506f0d43af" providerId="LiveId" clId="{BBFFC72F-D48D-41F0-816A-EDCAF5843F4A}" dt="2023-10-05T05:25:37.667" v="552" actId="1076"/>
+          <ac:spMkLst>
+            <pc:docMk/>
+            <pc:sldMk cId="3702738920" sldId="259"/>
+            <ac:spMk id="8" creationId="{6C09239C-99FC-8DB4-8DD9-A6FD79CF0418}"/>
+          </ac:spMkLst>
+        </pc:spChg>
+        <pc:spChg chg="add mod">
+          <ac:chgData name="弘佑 永井" userId="54fd41506f0d43af" providerId="LiveId" clId="{BBFFC72F-D48D-41F0-816A-EDCAF5843F4A}" dt="2023-10-05T05:26:07.951" v="558" actId="1076"/>
+          <ac:spMkLst>
+            <pc:docMk/>
+            <pc:sldMk cId="3702738920" sldId="259"/>
+            <ac:spMk id="9" creationId="{EA9858ED-4128-0CFB-C572-CA84E8641993}"/>
+          </ac:spMkLst>
+        </pc:spChg>
+        <pc:spChg chg="add mod">
+          <ac:chgData name="弘佑 永井" userId="54fd41506f0d43af" providerId="LiveId" clId="{BBFFC72F-D48D-41F0-816A-EDCAF5843F4A}" dt="2023-10-05T05:26:00.284" v="556" actId="1076"/>
+          <ac:spMkLst>
+            <pc:docMk/>
+            <pc:sldMk cId="3702738920" sldId="259"/>
+            <ac:spMk id="10" creationId="{47A498A2-55A7-BBBF-4281-401E4E8A9CDE}"/>
+          </ac:spMkLst>
+        </pc:spChg>
+      </pc:sldChg>
+      <pc:sldChg chg="addSp delSp modSp add mod ord">
+        <pc:chgData name="弘佑 永井" userId="54fd41506f0d43af" providerId="LiveId" clId="{BBFFC72F-D48D-41F0-816A-EDCAF5843F4A}" dt="2023-10-05T05:29:38.792" v="628" actId="1076"/>
+        <pc:sldMkLst>
+          <pc:docMk/>
+          <pc:sldMk cId="1878957962" sldId="260"/>
+        </pc:sldMkLst>
+        <pc:spChg chg="mod">
+          <ac:chgData name="弘佑 永井" userId="54fd41506f0d43af" providerId="LiveId" clId="{BBFFC72F-D48D-41F0-816A-EDCAF5843F4A}" dt="2023-10-05T05:27:24.091" v="604" actId="20577"/>
+          <ac:spMkLst>
+            <pc:docMk/>
+            <pc:sldMk cId="1878957962" sldId="260"/>
+            <ac:spMk id="2" creationId="{29CBEF91-EF07-B474-EE65-8A86109BCE88}"/>
+          </ac:spMkLst>
+        </pc:spChg>
+        <pc:spChg chg="del mod">
+          <ac:chgData name="弘佑 永井" userId="54fd41506f0d43af" providerId="LiveId" clId="{BBFFC72F-D48D-41F0-816A-EDCAF5843F4A}" dt="2023-10-05T05:27:30.796" v="607" actId="478"/>
+          <ac:spMkLst>
+            <pc:docMk/>
+            <pc:sldMk cId="1878957962" sldId="260"/>
+            <ac:spMk id="3" creationId="{D40BBEE7-D981-3C31-8DB4-4C571C78E7DA}"/>
+          </ac:spMkLst>
+        </pc:spChg>
+        <pc:spChg chg="add del mod">
+          <ac:chgData name="弘佑 永井" userId="54fd41506f0d43af" providerId="LiveId" clId="{BBFFC72F-D48D-41F0-816A-EDCAF5843F4A}" dt="2023-10-05T05:27:39.962" v="608" actId="478"/>
+          <ac:spMkLst>
+            <pc:docMk/>
+            <pc:sldMk cId="1878957962" sldId="260"/>
+            <ac:spMk id="5" creationId="{CBA69F7B-41EC-C42C-0B71-061A190C0334}"/>
+          </ac:spMkLst>
+        </pc:spChg>
+        <pc:spChg chg="add del">
+          <ac:chgData name="弘佑 永井" userId="54fd41506f0d43af" providerId="LiveId" clId="{BBFFC72F-D48D-41F0-816A-EDCAF5843F4A}" dt="2023-10-05T05:27:58.255" v="610" actId="11529"/>
+          <ac:spMkLst>
+            <pc:docMk/>
+            <pc:sldMk cId="1878957962" sldId="260"/>
+            <ac:spMk id="6" creationId="{BE09F5AD-313E-8E78-DC4F-EC0CD848C80B}"/>
+          </ac:spMkLst>
+        </pc:spChg>
+        <pc:spChg chg="add mod">
+          <ac:chgData name="弘佑 永井" userId="54fd41506f0d43af" providerId="LiveId" clId="{BBFFC72F-D48D-41F0-816A-EDCAF5843F4A}" dt="2023-10-05T05:29:13.682" v="620" actId="14100"/>
+          <ac:spMkLst>
+            <pc:docMk/>
+            <pc:sldMk cId="1878957962" sldId="260"/>
+            <ac:spMk id="7" creationId="{2502080D-4517-EA7C-E3F2-D82C0B0A0A1E}"/>
+          </ac:spMkLst>
+        </pc:spChg>
+        <pc:spChg chg="add del mod">
+          <ac:chgData name="弘佑 永井" userId="54fd41506f0d43af" providerId="LiveId" clId="{BBFFC72F-D48D-41F0-816A-EDCAF5843F4A}" dt="2023-10-05T05:29:17.383" v="621" actId="478"/>
+          <ac:spMkLst>
+            <pc:docMk/>
+            <pc:sldMk cId="1878957962" sldId="260"/>
+            <ac:spMk id="8" creationId="{D8B4CC12-819E-EF11-54A1-847BCFD3E300}"/>
+          </ac:spMkLst>
+        </pc:spChg>
+        <pc:spChg chg="add del mod">
+          <ac:chgData name="弘佑 永井" userId="54fd41506f0d43af" providerId="LiveId" clId="{BBFFC72F-D48D-41F0-816A-EDCAF5843F4A}" dt="2023-10-05T05:29:18.782" v="622" actId="478"/>
+          <ac:spMkLst>
+            <pc:docMk/>
+            <pc:sldMk cId="1878957962" sldId="260"/>
+            <ac:spMk id="9" creationId="{C886283E-DD1E-C0A8-C006-79246A3EFBAA}"/>
+          </ac:spMkLst>
+        </pc:spChg>
+        <pc:spChg chg="add mod">
+          <ac:chgData name="弘佑 永井" userId="54fd41506f0d43af" providerId="LiveId" clId="{BBFFC72F-D48D-41F0-816A-EDCAF5843F4A}" dt="2023-10-05T05:29:27.748" v="624" actId="1076"/>
+          <ac:spMkLst>
+            <pc:docMk/>
+            <pc:sldMk cId="1878957962" sldId="260"/>
+            <ac:spMk id="10" creationId="{0704566B-125D-E07F-50DB-BA4C0C62FFA8}"/>
+          </ac:spMkLst>
+        </pc:spChg>
+        <pc:spChg chg="add mod">
+          <ac:chgData name="弘佑 永井" userId="54fd41506f0d43af" providerId="LiveId" clId="{BBFFC72F-D48D-41F0-816A-EDCAF5843F4A}" dt="2023-10-05T05:29:33.952" v="626" actId="1076"/>
+          <ac:spMkLst>
+            <pc:docMk/>
+            <pc:sldMk cId="1878957962" sldId="260"/>
+            <ac:spMk id="11" creationId="{00D69D64-D64D-B64F-3BBF-91CE0383DBB9}"/>
+          </ac:spMkLst>
+        </pc:spChg>
+        <pc:spChg chg="add mod">
+          <ac:chgData name="弘佑 永井" userId="54fd41506f0d43af" providerId="LiveId" clId="{BBFFC72F-D48D-41F0-816A-EDCAF5843F4A}" dt="2023-10-05T05:29:38.792" v="628" actId="1076"/>
+          <ac:spMkLst>
+            <pc:docMk/>
+            <pc:sldMk cId="1878957962" sldId="260"/>
+            <ac:spMk id="12" creationId="{9C41B147-2285-8EAF-E530-098533E5E1E1}"/>
+          </ac:spMkLst>
+        </pc:spChg>
+      </pc:sldChg>
+      <pc:sldChg chg="delSp modSp add mod ord">
+        <pc:chgData name="弘佑 永井" userId="54fd41506f0d43af" providerId="LiveId" clId="{BBFFC72F-D48D-41F0-816A-EDCAF5843F4A}" dt="2023-10-05T05:31:16.285" v="671" actId="1076"/>
+        <pc:sldMkLst>
+          <pc:docMk/>
+          <pc:sldMk cId="4046657698" sldId="261"/>
+        </pc:sldMkLst>
+        <pc:spChg chg="mod">
+          <ac:chgData name="弘佑 永井" userId="54fd41506f0d43af" providerId="LiveId" clId="{BBFFC72F-D48D-41F0-816A-EDCAF5843F4A}" dt="2023-10-05T05:31:16.285" v="671" actId="1076"/>
+          <ac:spMkLst>
+            <pc:docMk/>
+            <pc:sldMk cId="4046657698" sldId="261"/>
+            <ac:spMk id="2" creationId="{AD879821-A1D1-7149-849B-6AEABE7200BB}"/>
+          </ac:spMkLst>
+        </pc:spChg>
+        <pc:spChg chg="del mod">
+          <ac:chgData name="弘佑 永井" userId="54fd41506f0d43af" providerId="LiveId" clId="{BBFFC72F-D48D-41F0-816A-EDCAF5843F4A}" dt="2023-10-05T05:30:31.942" v="633" actId="478"/>
+          <ac:spMkLst>
+            <pc:docMk/>
+            <pc:sldMk cId="4046657698" sldId="261"/>
+            <ac:spMk id="3" creationId="{37C86FC1-6E28-6F0C-21D2-D24FE99BC9D1}"/>
+          </ac:spMkLst>
+        </pc:spChg>
+      </pc:sldChg>
+    </pc:docChg>
+  </pc:docChgLst>
+</pc:chgInfo>
 </file>
 
 <file path=ppt/slideLayouts/slideLayout1.xml><?xml version="1.0" encoding="utf-8"?>
@@ -3850,30 +4089,34 @@
           <a:p>
             <a:r>
               <a:rPr lang="ja-JP" altLang="en-US" b="1" dirty="0">
+                <a:ln>
+                  <a:solidFill>
+                    <a:schemeClr val="bg1">
+                      <a:lumMod val="65000"/>
+                    </a:schemeClr>
+                  </a:solidFill>
+                </a:ln>
                 <a:solidFill>
                   <a:sysClr val="windowText" lastClr="000000"/>
                 </a:solidFill>
-                <a:effectLst>
-                  <a:outerShdw blurRad="50800" dist="38100" algn="l" rotWithShape="0">
-                    <a:prstClr val="black">
-                      <a:alpha val="40000"/>
-                    </a:prstClr>
-                  </a:outerShdw>
-                </a:effectLst>
+                <a:latin typeface="+mn-ea"/>
+                <a:ea typeface="+mn-ea"/>
               </a:rPr>
               <a:t>開発の目的</a:t>
             </a:r>
             <a:endParaRPr kumimoji="1" lang="ja-JP" altLang="en-US" b="1" dirty="0">
+              <a:ln>
+                <a:solidFill>
+                  <a:schemeClr val="bg1">
+                    <a:lumMod val="65000"/>
+                  </a:schemeClr>
+                </a:solidFill>
+              </a:ln>
               <a:solidFill>
                 <a:sysClr val="windowText" lastClr="000000"/>
               </a:solidFill>
-              <a:effectLst>
-                <a:outerShdw blurRad="50800" dist="38100" algn="l" rotWithShape="0">
-                  <a:prstClr val="black">
-                    <a:alpha val="40000"/>
-                  </a:prstClr>
-                </a:outerShdw>
-              </a:effectLst>
+              <a:latin typeface="+mn-ea"/>
+              <a:ea typeface="+mn-ea"/>
             </a:endParaRPr>
           </a:p>
         </p:txBody>
@@ -4041,7 +4284,7 @@
         </p:nvSpPr>
         <p:spPr>
           <a:xfrm>
-            <a:off x="1603716" y="365125"/>
+            <a:off x="1669976" y="338619"/>
             <a:ext cx="9750083" cy="1325563"/>
           </a:xfrm>
         </p:spPr>
@@ -4059,34 +4302,387 @@
       </p:sp>
       <p:sp>
         <p:nvSpPr>
-          <p:cNvPr id="3" name="コンテンツ プレースホルダー 2">
-            <a:extLst>
-              <a:ext uri="{FF2B5EF4-FFF2-40B4-BE49-F238E27FC236}">
-                <a16:creationId xmlns:a16="http://schemas.microsoft.com/office/drawing/2014/main" id="{D40BBEE7-D981-3C31-8DB4-4C571C78E7DA}"/>
-              </a:ext>
-            </a:extLst>
-          </p:cNvPr>
-          <p:cNvSpPr>
-            <a:spLocks noGrp="1"/>
-          </p:cNvSpPr>
-          <p:nvPr>
-            <p:ph idx="1"/>
-          </p:nvPr>
+          <p:cNvPr id="4" name="四角形: 角を丸くする 3">
+            <a:extLst>
+              <a:ext uri="{FF2B5EF4-FFF2-40B4-BE49-F238E27FC236}">
+                <a16:creationId xmlns:a16="http://schemas.microsoft.com/office/drawing/2014/main" id="{68FF3178-FB69-BB84-202C-FC25ACCA52A1}"/>
+              </a:ext>
+            </a:extLst>
+          </p:cNvPr>
+          <p:cNvSpPr/>
+          <p:nvPr/>
         </p:nvSpPr>
         <p:spPr>
           <a:xfrm>
-            <a:off x="1364566" y="1825625"/>
-            <a:ext cx="9989234" cy="4351338"/>
+            <a:off x="1580421" y="1583290"/>
+            <a:ext cx="3829878" cy="2284964"/>
           </a:xfrm>
+          <a:prstGeom prst="roundRect">
+            <a:avLst/>
+          </a:prstGeom>
         </p:spPr>
-        <p:txBody>
-          <a:bodyPr/>
-          <a:lstStyle/>
-          <a:p>
-            <a:pPr marL="0" indent="0">
-              <a:buNone/>
-            </a:pPr>
-            <a:endParaRPr kumimoji="1" lang="ja-JP" altLang="en-US" dirty="0"/>
+        <p:style>
+          <a:lnRef idx="1">
+            <a:schemeClr val="accent6"/>
+          </a:lnRef>
+          <a:fillRef idx="2">
+            <a:schemeClr val="accent6"/>
+          </a:fillRef>
+          <a:effectRef idx="1">
+            <a:schemeClr val="accent6"/>
+          </a:effectRef>
+          <a:fontRef idx="minor">
+            <a:schemeClr val="dk1"/>
+          </a:fontRef>
+        </p:style>
+        <p:txBody>
+          <a:bodyPr rtlCol="0" anchor="ctr"/>
+          <a:lstStyle/>
+          <a:p>
+            <a:pPr algn="ctr"/>
+            <a:r>
+              <a:rPr kumimoji="1" lang="ja-JP" altLang="en-US" sz="3200" dirty="0"/>
+              <a:t>ログイン</a:t>
+            </a:r>
+            <a:endParaRPr kumimoji="1" lang="en-US" altLang="ja-JP" sz="3200" dirty="0"/>
+          </a:p>
+          <a:p>
+            <a:pPr algn="ctr"/>
+            <a:r>
+              <a:rPr kumimoji="1" lang="ja-JP" altLang="en-US" sz="3200" dirty="0"/>
+              <a:t>サインアップ</a:t>
+            </a:r>
+          </a:p>
+        </p:txBody>
+      </p:sp>
+      <p:sp>
+        <p:nvSpPr>
+          <p:cNvPr id="5" name="四角形: 角を丸くする 4">
+            <a:extLst>
+              <a:ext uri="{FF2B5EF4-FFF2-40B4-BE49-F238E27FC236}">
+                <a16:creationId xmlns:a16="http://schemas.microsoft.com/office/drawing/2014/main" id="{14D8BD8E-35CA-D4F4-987C-24EE642D3BF9}"/>
+              </a:ext>
+            </a:extLst>
+          </p:cNvPr>
+          <p:cNvSpPr/>
+          <p:nvPr/>
+        </p:nvSpPr>
+        <p:spPr>
+          <a:xfrm>
+            <a:off x="6367673" y="1583290"/>
+            <a:ext cx="3829878" cy="2284964"/>
+          </a:xfrm>
+          <a:prstGeom prst="roundRect">
+            <a:avLst/>
+          </a:prstGeom>
+        </p:spPr>
+        <p:style>
+          <a:lnRef idx="1">
+            <a:schemeClr val="accent6"/>
+          </a:lnRef>
+          <a:fillRef idx="2">
+            <a:schemeClr val="accent6"/>
+          </a:fillRef>
+          <a:effectRef idx="1">
+            <a:schemeClr val="accent6"/>
+          </a:effectRef>
+          <a:fontRef idx="minor">
+            <a:schemeClr val="dk1"/>
+          </a:fontRef>
+        </p:style>
+        <p:txBody>
+          <a:bodyPr rtlCol="0" anchor="ctr"/>
+          <a:lstStyle/>
+          <a:p>
+            <a:pPr algn="ctr"/>
+            <a:r>
+              <a:rPr kumimoji="1" lang="ja-JP" altLang="en-US" sz="3200" dirty="0"/>
+              <a:t>名簿</a:t>
+            </a:r>
+            <a:endParaRPr kumimoji="1" lang="en-US" altLang="ja-JP" sz="3200" dirty="0"/>
+          </a:p>
+          <a:p>
+            <a:pPr algn="ctr"/>
+            <a:r>
+              <a:rPr kumimoji="1" lang="ja-JP" altLang="en-US" sz="3200" dirty="0"/>
+              <a:t>登録</a:t>
+            </a:r>
+            <a:r>
+              <a:rPr lang="ja-JP" altLang="en-US" sz="3200" dirty="0"/>
+              <a:t>・</a:t>
+            </a:r>
+            <a:r>
+              <a:rPr kumimoji="1" lang="ja-JP" altLang="en-US" sz="3200" dirty="0"/>
+              <a:t>一覧</a:t>
+            </a:r>
+          </a:p>
+        </p:txBody>
+      </p:sp>
+      <p:sp>
+        <p:nvSpPr>
+          <p:cNvPr id="6" name="四角形: 角を丸くする 5">
+            <a:extLst>
+              <a:ext uri="{FF2B5EF4-FFF2-40B4-BE49-F238E27FC236}">
+                <a16:creationId xmlns:a16="http://schemas.microsoft.com/office/drawing/2014/main" id="{33A2B069-8AB2-550E-C97A-D8CE24636261}"/>
+              </a:ext>
+            </a:extLst>
+          </p:cNvPr>
+          <p:cNvSpPr/>
+          <p:nvPr/>
+        </p:nvSpPr>
+        <p:spPr>
+          <a:xfrm>
+            <a:off x="7096539" y="4158733"/>
+            <a:ext cx="3829878" cy="2284964"/>
+          </a:xfrm>
+          <a:prstGeom prst="roundRect">
+            <a:avLst/>
+          </a:prstGeom>
+        </p:spPr>
+        <p:style>
+          <a:lnRef idx="1">
+            <a:schemeClr val="accent6"/>
+          </a:lnRef>
+          <a:fillRef idx="2">
+            <a:schemeClr val="accent6"/>
+          </a:fillRef>
+          <a:effectRef idx="1">
+            <a:schemeClr val="accent6"/>
+          </a:effectRef>
+          <a:fontRef idx="minor">
+            <a:schemeClr val="dk1"/>
+          </a:fontRef>
+        </p:style>
+        <p:txBody>
+          <a:bodyPr rtlCol="0" anchor="ctr"/>
+          <a:lstStyle/>
+          <a:p>
+            <a:pPr algn="ctr"/>
+            <a:r>
+              <a:rPr kumimoji="1" lang="ja-JP" altLang="en-US" sz="3200" dirty="0"/>
+              <a:t>カレンダー</a:t>
+            </a:r>
+          </a:p>
+        </p:txBody>
+      </p:sp>
+      <p:sp>
+        <p:nvSpPr>
+          <p:cNvPr id="7" name="四角形: 角を丸くする 6">
+            <a:extLst>
+              <a:ext uri="{FF2B5EF4-FFF2-40B4-BE49-F238E27FC236}">
+                <a16:creationId xmlns:a16="http://schemas.microsoft.com/office/drawing/2014/main" id="{2A9B8F24-F714-1AE3-0B76-8EC0D8E49EB4}"/>
+              </a:ext>
+            </a:extLst>
+          </p:cNvPr>
+          <p:cNvSpPr/>
+          <p:nvPr/>
+        </p:nvSpPr>
+        <p:spPr>
+          <a:xfrm>
+            <a:off x="2438399" y="4158733"/>
+            <a:ext cx="3829878" cy="2284964"/>
+          </a:xfrm>
+          <a:prstGeom prst="roundRect">
+            <a:avLst/>
+          </a:prstGeom>
+        </p:spPr>
+        <p:style>
+          <a:lnRef idx="1">
+            <a:schemeClr val="accent6"/>
+          </a:lnRef>
+          <a:fillRef idx="2">
+            <a:schemeClr val="accent6"/>
+          </a:fillRef>
+          <a:effectRef idx="1">
+            <a:schemeClr val="accent6"/>
+          </a:effectRef>
+          <a:fontRef idx="minor">
+            <a:schemeClr val="dk1"/>
+          </a:fontRef>
+        </p:style>
+        <p:txBody>
+          <a:bodyPr rtlCol="0" anchor="ctr"/>
+          <a:lstStyle/>
+          <a:p>
+            <a:pPr algn="ctr"/>
+            <a:r>
+              <a:rPr kumimoji="1" lang="ja-JP" altLang="en-US" sz="3200" dirty="0"/>
+              <a:t>貰い物贈り物</a:t>
+            </a:r>
+            <a:endParaRPr kumimoji="1" lang="en-US" altLang="ja-JP" sz="3200" dirty="0"/>
+          </a:p>
+          <a:p>
+            <a:pPr algn="ctr"/>
+            <a:r>
+              <a:rPr kumimoji="1" lang="ja-JP" altLang="en-US" sz="3200" dirty="0"/>
+              <a:t>登録・一覧</a:t>
+            </a:r>
+            <a:endParaRPr kumimoji="1" lang="en-US" altLang="ja-JP" sz="3200" dirty="0"/>
+          </a:p>
+        </p:txBody>
+      </p:sp>
+      <p:sp>
+        <p:nvSpPr>
+          <p:cNvPr id="8" name="矢印: 右 7">
+            <a:extLst>
+              <a:ext uri="{FF2B5EF4-FFF2-40B4-BE49-F238E27FC236}">
+                <a16:creationId xmlns:a16="http://schemas.microsoft.com/office/drawing/2014/main" id="{6C09239C-99FC-8DB4-8DD9-A6FD79CF0418}"/>
+              </a:ext>
+            </a:extLst>
+          </p:cNvPr>
+          <p:cNvSpPr/>
+          <p:nvPr/>
+        </p:nvSpPr>
+        <p:spPr>
+          <a:xfrm>
+            <a:off x="5564308" y="2414604"/>
+            <a:ext cx="649356" cy="703228"/>
+          </a:xfrm>
+          <a:prstGeom prst="rightArrow">
+            <a:avLst/>
+          </a:prstGeom>
+          <a:solidFill>
+            <a:srgbClr val="92D050"/>
+          </a:solidFill>
+          <a:ln>
+            <a:solidFill>
+              <a:schemeClr val="tx1">
+                <a:lumMod val="95000"/>
+                <a:lumOff val="5000"/>
+              </a:schemeClr>
+            </a:solidFill>
+          </a:ln>
+        </p:spPr>
+        <p:style>
+          <a:lnRef idx="1">
+            <a:schemeClr val="accent6"/>
+          </a:lnRef>
+          <a:fillRef idx="3">
+            <a:schemeClr val="accent6"/>
+          </a:fillRef>
+          <a:effectRef idx="2">
+            <a:schemeClr val="accent6"/>
+          </a:effectRef>
+          <a:fontRef idx="minor">
+            <a:schemeClr val="lt1"/>
+          </a:fontRef>
+        </p:style>
+        <p:txBody>
+          <a:bodyPr rtlCol="0" anchor="ctr"/>
+          <a:lstStyle/>
+          <a:p>
+            <a:pPr algn="ctr"/>
+            <a:endParaRPr kumimoji="1" lang="ja-JP" altLang="en-US"/>
+          </a:p>
+        </p:txBody>
+      </p:sp>
+      <p:sp>
+        <p:nvSpPr>
+          <p:cNvPr id="9" name="矢印: 右 8">
+            <a:extLst>
+              <a:ext uri="{FF2B5EF4-FFF2-40B4-BE49-F238E27FC236}">
+                <a16:creationId xmlns:a16="http://schemas.microsoft.com/office/drawing/2014/main" id="{EA9858ED-4128-0CFB-C572-CA84E8641993}"/>
+              </a:ext>
+            </a:extLst>
+          </p:cNvPr>
+          <p:cNvSpPr/>
+          <p:nvPr/>
+        </p:nvSpPr>
+        <p:spPr>
+          <a:xfrm rot="7912153">
+            <a:off x="5737783" y="3533154"/>
+            <a:ext cx="649356" cy="703228"/>
+          </a:xfrm>
+          <a:prstGeom prst="rightArrow">
+            <a:avLst/>
+          </a:prstGeom>
+          <a:solidFill>
+            <a:srgbClr val="92D050"/>
+          </a:solidFill>
+          <a:ln>
+            <a:solidFill>
+              <a:schemeClr val="tx1">
+                <a:lumMod val="95000"/>
+                <a:lumOff val="5000"/>
+              </a:schemeClr>
+            </a:solidFill>
+          </a:ln>
+        </p:spPr>
+        <p:style>
+          <a:lnRef idx="1">
+            <a:schemeClr val="accent6"/>
+          </a:lnRef>
+          <a:fillRef idx="3">
+            <a:schemeClr val="accent6"/>
+          </a:fillRef>
+          <a:effectRef idx="2">
+            <a:schemeClr val="accent6"/>
+          </a:effectRef>
+          <a:fontRef idx="minor">
+            <a:schemeClr val="lt1"/>
+          </a:fontRef>
+        </p:style>
+        <p:txBody>
+          <a:bodyPr rtlCol="0" anchor="ctr"/>
+          <a:lstStyle/>
+          <a:p>
+            <a:pPr algn="ctr"/>
+            <a:endParaRPr kumimoji="1" lang="ja-JP" altLang="en-US"/>
+          </a:p>
+        </p:txBody>
+      </p:sp>
+      <p:sp>
+        <p:nvSpPr>
+          <p:cNvPr id="10" name="矢印: 右 9">
+            <a:extLst>
+              <a:ext uri="{FF2B5EF4-FFF2-40B4-BE49-F238E27FC236}">
+                <a16:creationId xmlns:a16="http://schemas.microsoft.com/office/drawing/2014/main" id="{47A498A2-55A7-BBBF-4281-401E4E8A9CDE}"/>
+              </a:ext>
+            </a:extLst>
+          </p:cNvPr>
+          <p:cNvSpPr/>
+          <p:nvPr/>
+        </p:nvSpPr>
+        <p:spPr>
+          <a:xfrm>
+            <a:off x="6354420" y="4949601"/>
+            <a:ext cx="649356" cy="703228"/>
+          </a:xfrm>
+          <a:prstGeom prst="rightArrow">
+            <a:avLst/>
+          </a:prstGeom>
+          <a:solidFill>
+            <a:srgbClr val="92D050"/>
+          </a:solidFill>
+          <a:ln>
+            <a:solidFill>
+              <a:schemeClr val="tx1">
+                <a:lumMod val="95000"/>
+                <a:lumOff val="5000"/>
+              </a:schemeClr>
+            </a:solidFill>
+          </a:ln>
+        </p:spPr>
+        <p:style>
+          <a:lnRef idx="1">
+            <a:schemeClr val="accent6"/>
+          </a:lnRef>
+          <a:fillRef idx="3">
+            <a:schemeClr val="accent6"/>
+          </a:fillRef>
+          <a:effectRef idx="2">
+            <a:schemeClr val="accent6"/>
+          </a:effectRef>
+          <a:fontRef idx="minor">
+            <a:schemeClr val="lt1"/>
+          </a:fontRef>
+        </p:style>
+        <p:txBody>
+          <a:bodyPr rtlCol="0" anchor="ctr"/>
+          <a:lstStyle/>
+          <a:p>
+            <a:pPr algn="ctr"/>
+            <a:endParaRPr kumimoji="1" lang="ja-JP" altLang="en-US"/>
           </a:p>
         </p:txBody>
       </p:sp>
@@ -4106,6 +4702,35 @@
 <file path=ppt/slides/slide4.xml><?xml version="1.0" encoding="utf-8"?>
 <p:sld xmlns:a="http://schemas.openxmlformats.org/drawingml/2006/main" xmlns:r="http://schemas.openxmlformats.org/officeDocument/2006/relationships" xmlns:p="http://schemas.openxmlformats.org/presentationml/2006/main">
   <p:cSld>
+    <p:bg>
+      <p:bgPr>
+        <a:blipFill dpi="0" rotWithShape="1">
+          <a:blip r:embed="rId2">
+            <a:alphaModFix amt="70000"/>
+            <a:lum/>
+            <a:extLst>
+              <a:ext uri="{BEBA8EAE-BF5A-486C-A8C5-ECC9F3942E4B}">
+                <a14:imgProps xmlns:a14="http://schemas.microsoft.com/office/drawing/2010/main">
+                  <a14:imgLayer r:embed="rId3">
+                    <a14:imgEffect>
+                      <a14:artisticCutout trans="8000"/>
+                    </a14:imgEffect>
+                    <a14:imgEffect>
+                      <a14:saturation sat="97000"/>
+                    </a14:imgEffect>
+                  </a14:imgLayer>
+                </a14:imgProps>
+              </a:ext>
+            </a:extLst>
+          </a:blip>
+          <a:srcRect/>
+          <a:stretch>
+            <a:fillRect/>
+          </a:stretch>
+        </a:blipFill>
+        <a:effectLst/>
+      </p:bgPr>
+    </p:bg>
     <p:spTree>
       <p:nvGrpSpPr>
         <p:cNvPr id="1" name=""/>
@@ -4125,7 +4750,7 @@
           <p:cNvPr id="2" name="タイトル 1">
             <a:extLst>
               <a:ext uri="{FF2B5EF4-FFF2-40B4-BE49-F238E27FC236}">
-                <a16:creationId xmlns:a16="http://schemas.microsoft.com/office/drawing/2014/main" id="{4AA9BE2E-86B8-0313-EB18-7010BA5A7ED7}"/>
+                <a16:creationId xmlns:a16="http://schemas.microsoft.com/office/drawing/2014/main" id="{29CBEF91-EF07-B474-EE65-8A86109BCE88}"/>
               </a:ext>
             </a:extLst>
           </p:cNvPr>
@@ -4136,44 +4761,332 @@
             <p:ph type="title"/>
           </p:nvPr>
         </p:nvSpPr>
-        <p:spPr/>
+        <p:spPr>
+          <a:xfrm>
+            <a:off x="1603716" y="365125"/>
+            <a:ext cx="9750083" cy="1325563"/>
+          </a:xfrm>
+        </p:spPr>
         <p:txBody>
           <a:bodyPr/>
           <a:lstStyle/>
           <a:p>
-            <a:endParaRPr kumimoji="1" lang="ja-JP" altLang="en-US"/>
-          </a:p>
-        </p:txBody>
-      </p:sp>
-      <p:sp>
-        <p:nvSpPr>
-          <p:cNvPr id="3" name="コンテンツ プレースホルダー 2">
-            <a:extLst>
-              <a:ext uri="{FF2B5EF4-FFF2-40B4-BE49-F238E27FC236}">
-                <a16:creationId xmlns:a16="http://schemas.microsoft.com/office/drawing/2014/main" id="{9192C7CC-F0EA-CEAF-3D5D-FFFA8FF421B2}"/>
-              </a:ext>
-            </a:extLst>
-          </p:cNvPr>
-          <p:cNvSpPr>
-            <a:spLocks noGrp="1"/>
-          </p:cNvSpPr>
-          <p:nvPr>
-            <p:ph idx="1"/>
-          </p:nvPr>
-        </p:nvSpPr>
-        <p:spPr/>
-        <p:txBody>
-          <a:bodyPr/>
-          <a:lstStyle/>
-          <a:p>
-            <a:endParaRPr kumimoji="1" lang="ja-JP" altLang="en-US"/>
+            <a:r>
+              <a:rPr kumimoji="1" lang="ja-JP" altLang="en-US" b="1" dirty="0">
+                <a:ln>
+                  <a:solidFill>
+                    <a:schemeClr val="bg1">
+                      <a:lumMod val="65000"/>
+                    </a:schemeClr>
+                  </a:solidFill>
+                </a:ln>
+                <a:solidFill>
+                  <a:sysClr val="windowText" lastClr="000000"/>
+                </a:solidFill>
+                <a:latin typeface="+mn-ea"/>
+                <a:ea typeface="+mn-ea"/>
+              </a:rPr>
+              <a:t>工夫したこと、反省したこと</a:t>
+            </a:r>
+          </a:p>
+        </p:txBody>
+      </p:sp>
+      <p:sp>
+        <p:nvSpPr>
+          <p:cNvPr id="7" name="四角形: 角を丸くする 6">
+            <a:extLst>
+              <a:ext uri="{FF2B5EF4-FFF2-40B4-BE49-F238E27FC236}">
+                <a16:creationId xmlns:a16="http://schemas.microsoft.com/office/drawing/2014/main" id="{2502080D-4517-EA7C-E3F2-D82C0B0A0A1E}"/>
+              </a:ext>
+            </a:extLst>
+          </p:cNvPr>
+          <p:cNvSpPr/>
+          <p:nvPr/>
+        </p:nvSpPr>
+        <p:spPr>
+          <a:xfrm>
+            <a:off x="493743" y="1503777"/>
+            <a:ext cx="5098674" cy="2445371"/>
+          </a:xfrm>
+          <a:prstGeom prst="roundRect">
+            <a:avLst/>
+          </a:prstGeom>
+        </p:spPr>
+        <p:style>
+          <a:lnRef idx="1">
+            <a:schemeClr val="accent6"/>
+          </a:lnRef>
+          <a:fillRef idx="2">
+            <a:schemeClr val="accent6"/>
+          </a:fillRef>
+          <a:effectRef idx="1">
+            <a:schemeClr val="accent6"/>
+          </a:effectRef>
+          <a:fontRef idx="minor">
+            <a:schemeClr val="dk1"/>
+          </a:fontRef>
+        </p:style>
+        <p:txBody>
+          <a:bodyPr rtlCol="0" anchor="ctr"/>
+          <a:lstStyle/>
+          <a:p>
+            <a:pPr algn="ctr"/>
+            <a:endParaRPr kumimoji="1" lang="en-US" altLang="ja-JP" sz="3200" dirty="0"/>
+          </a:p>
+        </p:txBody>
+      </p:sp>
+      <p:sp>
+        <p:nvSpPr>
+          <p:cNvPr id="10" name="四角形: 角を丸くする 9">
+            <a:extLst>
+              <a:ext uri="{FF2B5EF4-FFF2-40B4-BE49-F238E27FC236}">
+                <a16:creationId xmlns:a16="http://schemas.microsoft.com/office/drawing/2014/main" id="{0704566B-125D-E07F-50DB-BA4C0C62FFA8}"/>
+              </a:ext>
+            </a:extLst>
+          </p:cNvPr>
+          <p:cNvSpPr/>
+          <p:nvPr/>
+        </p:nvSpPr>
+        <p:spPr>
+          <a:xfrm>
+            <a:off x="5923771" y="1503776"/>
+            <a:ext cx="5098674" cy="2445371"/>
+          </a:xfrm>
+          <a:prstGeom prst="roundRect">
+            <a:avLst/>
+          </a:prstGeom>
+        </p:spPr>
+        <p:style>
+          <a:lnRef idx="1">
+            <a:schemeClr val="accent6"/>
+          </a:lnRef>
+          <a:fillRef idx="2">
+            <a:schemeClr val="accent6"/>
+          </a:fillRef>
+          <a:effectRef idx="1">
+            <a:schemeClr val="accent6"/>
+          </a:effectRef>
+          <a:fontRef idx="minor">
+            <a:schemeClr val="dk1"/>
+          </a:fontRef>
+        </p:style>
+        <p:txBody>
+          <a:bodyPr rtlCol="0" anchor="ctr"/>
+          <a:lstStyle/>
+          <a:p>
+            <a:pPr algn="ctr"/>
+            <a:endParaRPr kumimoji="1" lang="en-US" altLang="ja-JP" sz="3200" dirty="0"/>
+          </a:p>
+        </p:txBody>
+      </p:sp>
+      <p:sp>
+        <p:nvSpPr>
+          <p:cNvPr id="11" name="四角形: 角を丸くする 10">
+            <a:extLst>
+              <a:ext uri="{FF2B5EF4-FFF2-40B4-BE49-F238E27FC236}">
+                <a16:creationId xmlns:a16="http://schemas.microsoft.com/office/drawing/2014/main" id="{00D69D64-D64D-B64F-3BBF-91CE0383DBB9}"/>
+              </a:ext>
+            </a:extLst>
+          </p:cNvPr>
+          <p:cNvSpPr/>
+          <p:nvPr/>
+        </p:nvSpPr>
+        <p:spPr>
+          <a:xfrm>
+            <a:off x="493743" y="4131537"/>
+            <a:ext cx="5098674" cy="2445371"/>
+          </a:xfrm>
+          <a:prstGeom prst="roundRect">
+            <a:avLst/>
+          </a:prstGeom>
+        </p:spPr>
+        <p:style>
+          <a:lnRef idx="1">
+            <a:schemeClr val="accent6"/>
+          </a:lnRef>
+          <a:fillRef idx="2">
+            <a:schemeClr val="accent6"/>
+          </a:fillRef>
+          <a:effectRef idx="1">
+            <a:schemeClr val="accent6"/>
+          </a:effectRef>
+          <a:fontRef idx="minor">
+            <a:schemeClr val="dk1"/>
+          </a:fontRef>
+        </p:style>
+        <p:txBody>
+          <a:bodyPr rtlCol="0" anchor="ctr"/>
+          <a:lstStyle/>
+          <a:p>
+            <a:pPr algn="ctr"/>
+            <a:endParaRPr kumimoji="1" lang="en-US" altLang="ja-JP" sz="3200" dirty="0"/>
+          </a:p>
+        </p:txBody>
+      </p:sp>
+      <p:sp>
+        <p:nvSpPr>
+          <p:cNvPr id="12" name="四角形: 角を丸くする 11">
+            <a:extLst>
+              <a:ext uri="{FF2B5EF4-FFF2-40B4-BE49-F238E27FC236}">
+                <a16:creationId xmlns:a16="http://schemas.microsoft.com/office/drawing/2014/main" id="{9C41B147-2285-8EAF-E530-098533E5E1E1}"/>
+              </a:ext>
+            </a:extLst>
+          </p:cNvPr>
+          <p:cNvSpPr/>
+          <p:nvPr/>
+        </p:nvSpPr>
+        <p:spPr>
+          <a:xfrm>
+            <a:off x="5923771" y="4123704"/>
+            <a:ext cx="5098674" cy="2445371"/>
+          </a:xfrm>
+          <a:prstGeom prst="roundRect">
+            <a:avLst/>
+          </a:prstGeom>
+        </p:spPr>
+        <p:style>
+          <a:lnRef idx="1">
+            <a:schemeClr val="accent6"/>
+          </a:lnRef>
+          <a:fillRef idx="2">
+            <a:schemeClr val="accent6"/>
+          </a:fillRef>
+          <a:effectRef idx="1">
+            <a:schemeClr val="accent6"/>
+          </a:effectRef>
+          <a:fontRef idx="minor">
+            <a:schemeClr val="dk1"/>
+          </a:fontRef>
+        </p:style>
+        <p:txBody>
+          <a:bodyPr rtlCol="0" anchor="ctr"/>
+          <a:lstStyle/>
+          <a:p>
+            <a:pPr algn="ctr"/>
+            <a:endParaRPr kumimoji="1" lang="en-US" altLang="ja-JP" sz="3200" dirty="0"/>
           </a:p>
         </p:txBody>
       </p:sp>
     </p:spTree>
     <p:extLst>
       <p:ext uri="{BB962C8B-B14F-4D97-AF65-F5344CB8AC3E}">
-        <p14:creationId xmlns:p14="http://schemas.microsoft.com/office/powerpoint/2010/main" val="925824766"/>
+        <p14:creationId xmlns:p14="http://schemas.microsoft.com/office/powerpoint/2010/main" val="1878957962"/>
+      </p:ext>
+    </p:extLst>
+  </p:cSld>
+  <p:clrMapOvr>
+    <a:masterClrMapping/>
+  </p:clrMapOvr>
+</p:sld>
+</file>
+
+<file path=ppt/slides/slide5.xml><?xml version="1.0" encoding="utf-8"?>
+<p:sld xmlns:a="http://schemas.openxmlformats.org/drawingml/2006/main" xmlns:r="http://schemas.openxmlformats.org/officeDocument/2006/relationships" xmlns:p="http://schemas.openxmlformats.org/presentationml/2006/main">
+  <p:cSld>
+    <p:spTree>
+      <p:nvGrpSpPr>
+        <p:cNvPr id="1" name=""/>
+        <p:cNvGrpSpPr/>
+        <p:nvPr/>
+      </p:nvGrpSpPr>
+      <p:grpSpPr>
+        <a:xfrm>
+          <a:off x="0" y="0"/>
+          <a:ext cx="0" cy="0"/>
+          <a:chOff x="0" y="0"/>
+          <a:chExt cx="0" cy="0"/>
+        </a:xfrm>
+      </p:grpSpPr>
+      <p:pic>
+        <p:nvPicPr>
+          <p:cNvPr id="5" name="図 4">
+            <a:extLst>
+              <a:ext uri="{FF2B5EF4-FFF2-40B4-BE49-F238E27FC236}">
+                <a16:creationId xmlns:a16="http://schemas.microsoft.com/office/drawing/2014/main" id="{85822E53-BEA4-A359-9F77-1D12A44572BC}"/>
+              </a:ext>
+            </a:extLst>
+          </p:cNvPr>
+          <p:cNvPicPr>
+            <a:picLocks noChangeAspect="1"/>
+          </p:cNvPicPr>
+          <p:nvPr/>
+        </p:nvPicPr>
+        <p:blipFill>
+          <a:blip r:embed="rId2">
+            <a:extLst>
+              <a:ext uri="{BEBA8EAE-BF5A-486C-A8C5-ECC9F3942E4B}">
+                <a14:imgProps xmlns:a14="http://schemas.microsoft.com/office/drawing/2010/main">
+                  <a14:imgLayer r:embed="rId3">
+                    <a14:imgEffect>
+                      <a14:artisticCutout/>
+                    </a14:imgEffect>
+                  </a14:imgLayer>
+                </a14:imgProps>
+              </a:ext>
+              <a:ext uri="{28A0092B-C50C-407E-A947-70E740481C1C}">
+                <a14:useLocalDpi xmlns:a14="http://schemas.microsoft.com/office/drawing/2010/main" val="0"/>
+              </a:ext>
+            </a:extLst>
+          </a:blip>
+          <a:stretch>
+            <a:fillRect/>
+          </a:stretch>
+        </p:blipFill>
+        <p:spPr>
+          <a:xfrm>
+            <a:off x="-1" y="-1366"/>
+            <a:ext cx="12189573" cy="6859366"/>
+          </a:xfrm>
+          <a:prstGeom prst="rect">
+            <a:avLst/>
+          </a:prstGeom>
+          <a:ln>
+            <a:noFill/>
+          </a:ln>
+          <a:effectLst>
+            <a:softEdge rad="112500"/>
+          </a:effectLst>
+        </p:spPr>
+      </p:pic>
+      <p:sp>
+        <p:nvSpPr>
+          <p:cNvPr id="2" name="タイトル 1">
+            <a:extLst>
+              <a:ext uri="{FF2B5EF4-FFF2-40B4-BE49-F238E27FC236}">
+                <a16:creationId xmlns:a16="http://schemas.microsoft.com/office/drawing/2014/main" id="{AD879821-A1D1-7149-849B-6AEABE7200BB}"/>
+              </a:ext>
+            </a:extLst>
+          </p:cNvPr>
+          <p:cNvSpPr>
+            <a:spLocks noGrp="1"/>
+          </p:cNvSpPr>
+          <p:nvPr>
+            <p:ph type="ctrTitle"/>
+          </p:nvPr>
+        </p:nvSpPr>
+        <p:spPr>
+          <a:xfrm>
+            <a:off x="1298713" y="592275"/>
+            <a:ext cx="9144000" cy="2387600"/>
+          </a:xfrm>
+        </p:spPr>
+        <p:txBody>
+          <a:bodyPr>
+            <a:normAutofit/>
+          </a:bodyPr>
+          <a:lstStyle/>
+          <a:p>
+            <a:r>
+              <a:rPr kumimoji="1" lang="ja-JP" altLang="en-US" sz="4400" b="1" dirty="0"/>
+              <a:t>ありがとうございました</a:t>
+            </a:r>
+          </a:p>
+        </p:txBody>
+      </p:sp>
+    </p:spTree>
+    <p:extLst>
+      <p:ext uri="{BB962C8B-B14F-4D97-AF65-F5344CB8AC3E}">
+        <p14:creationId xmlns:p14="http://schemas.microsoft.com/office/powerpoint/2010/main" val="4046657698"/>
       </p:ext>
     </p:extLst>
   </p:cSld>

--- a/document/プレゼンテーション資料/縁count.pptx
+++ b/document/プレゼンテーション資料/縁count.pptx
@@ -9,7 +9,8 @@
     <p:sldId id="257" r:id="rId3"/>
     <p:sldId id="259" r:id="rId4"/>
     <p:sldId id="260" r:id="rId5"/>
-    <p:sldId id="261" r:id="rId6"/>
+    <p:sldId id="262" r:id="rId6"/>
+    <p:sldId id="261" r:id="rId7"/>
   </p:sldIdLst>
   <p:sldSz cx="12192000" cy="6858000"/>
   <p:notesSz cx="6858000" cy="9144000"/>
@@ -121,7 +122,7 @@
   <pc:docChgLst>
     <pc:chgData name="弘佑 永井" userId="54fd41506f0d43af" providerId="LiveId" clId="{BBFFC72F-D48D-41F0-816A-EDCAF5843F4A}"/>
     <pc:docChg chg="undo redo custSel addSld delSld modSld sldOrd">
-      <pc:chgData name="弘佑 永井" userId="54fd41506f0d43af" providerId="LiveId" clId="{BBFFC72F-D48D-41F0-816A-EDCAF5843F4A}" dt="2023-10-05T05:32:43.478" v="678" actId="47"/>
+      <pc:chgData name="弘佑 永井" userId="54fd41506f0d43af" providerId="LiveId" clId="{BBFFC72F-D48D-41F0-816A-EDCAF5843F4A}" dt="2023-10-11T07:15:22.454" v="961" actId="113"/>
       <pc:docMkLst>
         <pc:docMk/>
       </pc:docMkLst>
@@ -235,7 +236,7 @@
         </pc:spChg>
       </pc:sldChg>
       <pc:sldChg chg="addSp delSp modSp add mod ord">
-        <pc:chgData name="弘佑 永井" userId="54fd41506f0d43af" providerId="LiveId" clId="{BBFFC72F-D48D-41F0-816A-EDCAF5843F4A}" dt="2023-10-05T05:29:38.792" v="628" actId="1076"/>
+        <pc:chgData name="弘佑 永井" userId="54fd41506f0d43af" providerId="LiveId" clId="{BBFFC72F-D48D-41F0-816A-EDCAF5843F4A}" dt="2023-10-11T07:15:22.454" v="961" actId="113"/>
         <pc:sldMkLst>
           <pc:docMk/>
           <pc:sldMk cId="1878957962" sldId="260"/>
@@ -272,8 +273,8 @@
             <ac:spMk id="6" creationId="{BE09F5AD-313E-8E78-DC4F-EC0CD848C80B}"/>
           </ac:spMkLst>
         </pc:spChg>
-        <pc:spChg chg="add mod">
-          <ac:chgData name="弘佑 永井" userId="54fd41506f0d43af" providerId="LiveId" clId="{BBFFC72F-D48D-41F0-816A-EDCAF5843F4A}" dt="2023-10-05T05:29:13.682" v="620" actId="14100"/>
+        <pc:spChg chg="add del mod">
+          <ac:chgData name="弘佑 永井" userId="54fd41506f0d43af" providerId="LiveId" clId="{BBFFC72F-D48D-41F0-816A-EDCAF5843F4A}" dt="2023-10-11T07:03:16.131" v="684" actId="478"/>
           <ac:spMkLst>
             <pc:docMk/>
             <pc:sldMk cId="1878957962" sldId="260"/>
@@ -297,7 +298,7 @@
           </ac:spMkLst>
         </pc:spChg>
         <pc:spChg chg="add mod">
-          <ac:chgData name="弘佑 永井" userId="54fd41506f0d43af" providerId="LiveId" clId="{BBFFC72F-D48D-41F0-816A-EDCAF5843F4A}" dt="2023-10-05T05:29:27.748" v="624" actId="1076"/>
+          <ac:chgData name="弘佑 永井" userId="54fd41506f0d43af" providerId="LiveId" clId="{BBFFC72F-D48D-41F0-816A-EDCAF5843F4A}" dt="2023-10-11T07:15:16.642" v="959" actId="113"/>
           <ac:spMkLst>
             <pc:docMk/>
             <pc:sldMk cId="1878957962" sldId="260"/>
@@ -305,15 +306,15 @@
           </ac:spMkLst>
         </pc:spChg>
         <pc:spChg chg="add mod">
-          <ac:chgData name="弘佑 永井" userId="54fd41506f0d43af" providerId="LiveId" clId="{BBFFC72F-D48D-41F0-816A-EDCAF5843F4A}" dt="2023-10-05T05:29:33.952" v="626" actId="1076"/>
+          <ac:chgData name="弘佑 永井" userId="54fd41506f0d43af" providerId="LiveId" clId="{BBFFC72F-D48D-41F0-816A-EDCAF5843F4A}" dt="2023-10-11T07:15:22.454" v="961" actId="113"/>
           <ac:spMkLst>
             <pc:docMk/>
             <pc:sldMk cId="1878957962" sldId="260"/>
             <ac:spMk id="11" creationId="{00D69D64-D64D-B64F-3BBF-91CE0383DBB9}"/>
           </ac:spMkLst>
         </pc:spChg>
-        <pc:spChg chg="add mod">
-          <ac:chgData name="弘佑 永井" userId="54fd41506f0d43af" providerId="LiveId" clId="{BBFFC72F-D48D-41F0-816A-EDCAF5843F4A}" dt="2023-10-05T05:29:38.792" v="628" actId="1076"/>
+        <pc:spChg chg="add del mod">
+          <ac:chgData name="弘佑 永井" userId="54fd41506f0d43af" providerId="LiveId" clId="{BBFFC72F-D48D-41F0-816A-EDCAF5843F4A}" dt="2023-10-11T07:03:18.426" v="685" actId="478"/>
           <ac:spMkLst>
             <pc:docMk/>
             <pc:sldMk cId="1878957962" sldId="260"/>
@@ -344,6 +345,45 @@
           </ac:spMkLst>
         </pc:spChg>
       </pc:sldChg>
+      <pc:sldChg chg="delSp modSp add mod">
+        <pc:chgData name="弘佑 永井" userId="54fd41506f0d43af" providerId="LiveId" clId="{BBFFC72F-D48D-41F0-816A-EDCAF5843F4A}" dt="2023-10-11T07:14:59.974" v="955" actId="113"/>
+        <pc:sldMkLst>
+          <pc:docMk/>
+          <pc:sldMk cId="2714109089" sldId="262"/>
+        </pc:sldMkLst>
+        <pc:spChg chg="mod">
+          <ac:chgData name="弘佑 永井" userId="54fd41506f0d43af" providerId="LiveId" clId="{BBFFC72F-D48D-41F0-816A-EDCAF5843F4A}" dt="2023-10-11T07:14:53.954" v="954" actId="113"/>
+          <ac:spMkLst>
+            <pc:docMk/>
+            <pc:sldMk cId="2714109089" sldId="262"/>
+            <ac:spMk id="7" creationId="{2502080D-4517-EA7C-E3F2-D82C0B0A0A1E}"/>
+          </ac:spMkLst>
+        </pc:spChg>
+        <pc:spChg chg="del">
+          <ac:chgData name="弘佑 永井" userId="54fd41506f0d43af" providerId="LiveId" clId="{BBFFC72F-D48D-41F0-816A-EDCAF5843F4A}" dt="2023-10-11T07:03:01.926" v="681" actId="478"/>
+          <ac:spMkLst>
+            <pc:docMk/>
+            <pc:sldMk cId="2714109089" sldId="262"/>
+            <ac:spMk id="10" creationId="{0704566B-125D-E07F-50DB-BA4C0C62FFA8}"/>
+          </ac:spMkLst>
+        </pc:spChg>
+        <pc:spChg chg="del">
+          <ac:chgData name="弘佑 永井" userId="54fd41506f0d43af" providerId="LiveId" clId="{BBFFC72F-D48D-41F0-816A-EDCAF5843F4A}" dt="2023-10-11T07:02:59.234" v="680" actId="478"/>
+          <ac:spMkLst>
+            <pc:docMk/>
+            <pc:sldMk cId="2714109089" sldId="262"/>
+            <ac:spMk id="11" creationId="{00D69D64-D64D-B64F-3BBF-91CE0383DBB9}"/>
+          </ac:spMkLst>
+        </pc:spChg>
+        <pc:spChg chg="mod">
+          <ac:chgData name="弘佑 永井" userId="54fd41506f0d43af" providerId="LiveId" clId="{BBFFC72F-D48D-41F0-816A-EDCAF5843F4A}" dt="2023-10-11T07:14:59.974" v="955" actId="113"/>
+          <ac:spMkLst>
+            <pc:docMk/>
+            <pc:sldMk cId="2714109089" sldId="262"/>
+            <ac:spMk id="12" creationId="{9C41B147-2285-8EAF-E530-098533E5E1E1}"/>
+          </ac:spMkLst>
+        </pc:spChg>
+      </pc:sldChg>
     </pc:docChg>
   </pc:docChgLst>
 </pc:chgInfo>
@@ -496,7 +536,7 @@
           <a:p>
             <a:fld id="{1C647427-787B-41C7-98C4-F19AC712F719}" type="datetimeFigureOut">
               <a:rPr kumimoji="1" lang="ja-JP" altLang="en-US" smtClean="0"/>
-              <a:t>2023/10/5</a:t>
+              <a:t>2023/10/11</a:t>
             </a:fld>
             <a:endParaRPr kumimoji="1" lang="ja-JP" altLang="en-US"/>
           </a:p>
@@ -726,7 +766,7 @@
           <a:p>
             <a:fld id="{1C647427-787B-41C7-98C4-F19AC712F719}" type="datetimeFigureOut">
               <a:rPr kumimoji="1" lang="ja-JP" altLang="en-US" smtClean="0"/>
-              <a:t>2023/10/5</a:t>
+              <a:t>2023/10/11</a:t>
             </a:fld>
             <a:endParaRPr kumimoji="1" lang="ja-JP" altLang="en-US"/>
           </a:p>
@@ -966,7 +1006,7 @@
           <a:p>
             <a:fld id="{1C647427-787B-41C7-98C4-F19AC712F719}" type="datetimeFigureOut">
               <a:rPr kumimoji="1" lang="ja-JP" altLang="en-US" smtClean="0"/>
-              <a:t>2023/10/5</a:t>
+              <a:t>2023/10/11</a:t>
             </a:fld>
             <a:endParaRPr kumimoji="1" lang="ja-JP" altLang="en-US"/>
           </a:p>
@@ -1196,7 +1236,7 @@
           <a:p>
             <a:fld id="{1C647427-787B-41C7-98C4-F19AC712F719}" type="datetimeFigureOut">
               <a:rPr kumimoji="1" lang="ja-JP" altLang="en-US" smtClean="0"/>
-              <a:t>2023/10/5</a:t>
+              <a:t>2023/10/11</a:t>
             </a:fld>
             <a:endParaRPr kumimoji="1" lang="ja-JP" altLang="en-US"/>
           </a:p>
@@ -1471,7 +1511,7 @@
           <a:p>
             <a:fld id="{1C647427-787B-41C7-98C4-F19AC712F719}" type="datetimeFigureOut">
               <a:rPr kumimoji="1" lang="ja-JP" altLang="en-US" smtClean="0"/>
-              <a:t>2023/10/5</a:t>
+              <a:t>2023/10/11</a:t>
             </a:fld>
             <a:endParaRPr kumimoji="1" lang="ja-JP" altLang="en-US"/>
           </a:p>
@@ -1800,7 +1840,7 @@
           <a:p>
             <a:fld id="{1C647427-787B-41C7-98C4-F19AC712F719}" type="datetimeFigureOut">
               <a:rPr kumimoji="1" lang="ja-JP" altLang="en-US" smtClean="0"/>
-              <a:t>2023/10/5</a:t>
+              <a:t>2023/10/11</a:t>
             </a:fld>
             <a:endParaRPr kumimoji="1" lang="ja-JP" altLang="en-US"/>
           </a:p>
@@ -2276,7 +2316,7 @@
           <a:p>
             <a:fld id="{1C647427-787B-41C7-98C4-F19AC712F719}" type="datetimeFigureOut">
               <a:rPr kumimoji="1" lang="ja-JP" altLang="en-US" smtClean="0"/>
-              <a:t>2023/10/5</a:t>
+              <a:t>2023/10/11</a:t>
             </a:fld>
             <a:endParaRPr kumimoji="1" lang="ja-JP" altLang="en-US"/>
           </a:p>
@@ -2417,7 +2457,7 @@
           <a:p>
             <a:fld id="{1C647427-787B-41C7-98C4-F19AC712F719}" type="datetimeFigureOut">
               <a:rPr kumimoji="1" lang="ja-JP" altLang="en-US" smtClean="0"/>
-              <a:t>2023/10/5</a:t>
+              <a:t>2023/10/11</a:t>
             </a:fld>
             <a:endParaRPr kumimoji="1" lang="ja-JP" altLang="en-US"/>
           </a:p>
@@ -2530,7 +2570,7 @@
           <a:p>
             <a:fld id="{1C647427-787B-41C7-98C4-F19AC712F719}" type="datetimeFigureOut">
               <a:rPr kumimoji="1" lang="ja-JP" altLang="en-US" smtClean="0"/>
-              <a:t>2023/10/5</a:t>
+              <a:t>2023/10/11</a:t>
             </a:fld>
             <a:endParaRPr kumimoji="1" lang="ja-JP" altLang="en-US"/>
           </a:p>
@@ -2873,7 +2913,7 @@
           <a:p>
             <a:fld id="{1C647427-787B-41C7-98C4-F19AC712F719}" type="datetimeFigureOut">
               <a:rPr kumimoji="1" lang="ja-JP" altLang="en-US" smtClean="0"/>
-              <a:t>2023/10/5</a:t>
+              <a:t>2023/10/11</a:t>
             </a:fld>
             <a:endParaRPr kumimoji="1" lang="ja-JP" altLang="en-US"/>
           </a:p>
@@ -3161,7 +3201,7 @@
           <a:p>
             <a:fld id="{1C647427-787B-41C7-98C4-F19AC712F719}" type="datetimeFigureOut">
               <a:rPr kumimoji="1" lang="ja-JP" altLang="en-US" smtClean="0"/>
-              <a:t>2023/10/5</a:t>
+              <a:t>2023/10/11</a:t>
             </a:fld>
             <a:endParaRPr kumimoji="1" lang="ja-JP" altLang="en-US"/>
           </a:p>
@@ -3434,7 +3474,7 @@
           <a:p>
             <a:fld id="{1C647427-787B-41C7-98C4-F19AC712F719}" type="datetimeFigureOut">
               <a:rPr kumimoji="1" lang="ja-JP" altLang="en-US" smtClean="0"/>
-              <a:t>2023/10/5</a:t>
+              <a:t>2023/10/11</a:t>
             </a:fld>
             <a:endParaRPr kumimoji="1" lang="ja-JP" altLang="en-US"/>
           </a:p>
@@ -4793,10 +4833,10 @@
       </p:sp>
       <p:sp>
         <p:nvSpPr>
-          <p:cNvPr id="7" name="四角形: 角を丸くする 6">
-            <a:extLst>
-              <a:ext uri="{FF2B5EF4-FFF2-40B4-BE49-F238E27FC236}">
-                <a16:creationId xmlns:a16="http://schemas.microsoft.com/office/drawing/2014/main" id="{2502080D-4517-EA7C-E3F2-D82C0B0A0A1E}"/>
+          <p:cNvPr id="10" name="四角形: 角を丸くする 9">
+            <a:extLst>
+              <a:ext uri="{FF2B5EF4-FFF2-40B4-BE49-F238E27FC236}">
+                <a16:creationId xmlns:a16="http://schemas.microsoft.com/office/drawing/2014/main" id="{0704566B-125D-E07F-50DB-BA4C0C62FFA8}"/>
               </a:ext>
             </a:extLst>
           </p:cNvPr>
@@ -4805,8 +4845,8 @@
         </p:nvSpPr>
         <p:spPr>
           <a:xfrm>
-            <a:off x="493743" y="1503777"/>
-            <a:ext cx="5098674" cy="2445371"/>
+            <a:off x="493743" y="1503776"/>
+            <a:ext cx="10528702" cy="2445371"/>
           </a:xfrm>
           <a:prstGeom prst="roundRect">
             <a:avLst/>
@@ -4827,20 +4867,63 @@
           </a:fontRef>
         </p:style>
         <p:txBody>
-          <a:bodyPr rtlCol="0" anchor="ctr"/>
-          <a:lstStyle/>
-          <a:p>
-            <a:pPr algn="ctr"/>
-            <a:endParaRPr kumimoji="1" lang="en-US" altLang="ja-JP" sz="3200" dirty="0"/>
-          </a:p>
-        </p:txBody>
-      </p:sp>
-      <p:sp>
-        <p:nvSpPr>
-          <p:cNvPr id="10" name="四角形: 角を丸くする 9">
-            <a:extLst>
-              <a:ext uri="{FF2B5EF4-FFF2-40B4-BE49-F238E27FC236}">
-                <a16:creationId xmlns:a16="http://schemas.microsoft.com/office/drawing/2014/main" id="{0704566B-125D-E07F-50DB-BA4C0C62FFA8}"/>
+          <a:bodyPr numCol="1" rtlCol="0" anchor="t"/>
+          <a:lstStyle/>
+          <a:p>
+            <a:r>
+              <a:rPr lang="ja-JP" altLang="en-US" sz="2000" dirty="0"/>
+              <a:t>　</a:t>
+            </a:r>
+            <a:r>
+              <a:rPr kumimoji="1" lang="ja-JP" altLang="en-US" sz="2000" b="1" dirty="0"/>
+              <a:t>黒田</a:t>
+            </a:r>
+            <a:endParaRPr kumimoji="1" lang="en-US" altLang="ja-JP" sz="2000" b="1" dirty="0"/>
+          </a:p>
+          <a:p>
+            <a:r>
+              <a:rPr kumimoji="1" lang="ja-JP" altLang="en-US" sz="2000" dirty="0"/>
+              <a:t>・工夫した点</a:t>
+            </a:r>
+            <a:r>
+              <a:rPr lang="ja-JP" altLang="en-US" sz="2000" dirty="0"/>
+              <a:t>：</a:t>
+            </a:r>
+            <a:r>
+              <a:rPr kumimoji="1" lang="ja-JP" altLang="en-US" sz="2000" dirty="0"/>
+              <a:t>要件定義書の作成やコードの作成を</a:t>
+            </a:r>
+            <a:r>
+              <a:rPr kumimoji="1" lang="en-US" altLang="ja-JP" sz="2000" dirty="0"/>
+              <a:t>Git</a:t>
+            </a:r>
+            <a:r>
+              <a:rPr kumimoji="1" lang="ja-JP" altLang="en-US" sz="2000" dirty="0"/>
+              <a:t>を使うだけではなく、お互いに報連相をして大きなトラブルなく作業を行う事が出来たと思います。</a:t>
+            </a:r>
+          </a:p>
+          <a:p>
+            <a:r>
+              <a:rPr kumimoji="1" lang="ja-JP" altLang="en-US" sz="2000" dirty="0"/>
+              <a:t>・反省する点：担当していたカレンダーのコードが複雑で、</a:t>
+            </a:r>
+            <a:r>
+              <a:rPr kumimoji="1" lang="en-US" altLang="ja-JP" sz="2000" dirty="0"/>
+              <a:t>WEB</a:t>
+            </a:r>
+            <a:r>
+              <a:rPr kumimoji="1" lang="ja-JP" altLang="en-US" sz="2000" dirty="0"/>
+              <a:t>サイトの記事を参考にしたので、コードの勉強になったが一からコードを書くとなるとまだ難しいので個人的にまだまだサーブレットの練習が必要だと感じました。</a:t>
+            </a:r>
+          </a:p>
+        </p:txBody>
+      </p:sp>
+      <p:sp>
+        <p:nvSpPr>
+          <p:cNvPr id="11" name="四角形: 角を丸くする 10">
+            <a:extLst>
+              <a:ext uri="{FF2B5EF4-FFF2-40B4-BE49-F238E27FC236}">
+                <a16:creationId xmlns:a16="http://schemas.microsoft.com/office/drawing/2014/main" id="{00D69D64-D64D-B64F-3BBF-91CE0383DBB9}"/>
               </a:ext>
             </a:extLst>
           </p:cNvPr>
@@ -4849,8 +4932,8 @@
         </p:nvSpPr>
         <p:spPr>
           <a:xfrm>
-            <a:off x="5923771" y="1503776"/>
-            <a:ext cx="5098674" cy="2445371"/>
+            <a:off x="493743" y="4131537"/>
+            <a:ext cx="10528702" cy="2445371"/>
           </a:xfrm>
           <a:prstGeom prst="roundRect">
             <a:avLst/>
@@ -4874,17 +4957,161 @@
           <a:bodyPr rtlCol="0" anchor="ctr"/>
           <a:lstStyle/>
           <a:p>
-            <a:pPr algn="ctr"/>
-            <a:endParaRPr kumimoji="1" lang="en-US" altLang="ja-JP" sz="3200" dirty="0"/>
-          </a:p>
-        </p:txBody>
-      </p:sp>
-      <p:sp>
-        <p:nvSpPr>
-          <p:cNvPr id="11" name="四角形: 角を丸くする 10">
-            <a:extLst>
-              <a:ext uri="{FF2B5EF4-FFF2-40B4-BE49-F238E27FC236}">
-                <a16:creationId xmlns:a16="http://schemas.microsoft.com/office/drawing/2014/main" id="{00D69D64-D64D-B64F-3BBF-91CE0383DBB9}"/>
+            <a:r>
+              <a:rPr kumimoji="1" lang="ja-JP" altLang="en-US" sz="2000" b="1" dirty="0"/>
+              <a:t>　永井</a:t>
+            </a:r>
+            <a:endParaRPr kumimoji="1" lang="en-US" altLang="ja-JP" sz="2000" b="1" dirty="0"/>
+          </a:p>
+          <a:p>
+            <a:r>
+              <a:rPr kumimoji="1" lang="ja-JP" altLang="en-US" sz="2000" dirty="0"/>
+              <a:t>・工夫した点：今回</a:t>
+            </a:r>
+            <a:r>
+              <a:rPr kumimoji="1" lang="en-US" altLang="ja-JP" sz="2000" dirty="0"/>
+              <a:t>Java</a:t>
+            </a:r>
+            <a:r>
+              <a:rPr kumimoji="1" lang="ja-JP" altLang="en-US" sz="2000" dirty="0"/>
+              <a:t>の</a:t>
+            </a:r>
+            <a:r>
+              <a:rPr kumimoji="1" lang="en-US" altLang="ja-JP" sz="2000" dirty="0"/>
+              <a:t>controller</a:t>
+            </a:r>
+            <a:r>
+              <a:rPr kumimoji="1" lang="ja-JP" altLang="en-US" sz="2000" dirty="0"/>
+              <a:t>、</a:t>
+            </a:r>
+            <a:r>
+              <a:rPr kumimoji="1" lang="en-US" altLang="ja-JP" sz="2000" dirty="0"/>
+              <a:t>model</a:t>
+            </a:r>
+            <a:r>
+              <a:rPr kumimoji="1" lang="ja-JP" altLang="en-US" sz="2000" dirty="0"/>
+              <a:t>を作成編集することが多く、簡潔で後から見てもわかりやすく変更もしやすいプログラムを意識しました。</a:t>
+            </a:r>
+          </a:p>
+          <a:p>
+            <a:r>
+              <a:rPr kumimoji="1" lang="ja-JP" altLang="en-US" sz="2000" dirty="0"/>
+              <a:t>・反省する点：アプリケーションがある程度完成してから修正するべき箇所が想定よりもとても多く、予定をしていた期間内では修正が間に合いませんでした。この時間をもっと多くとるべきだと反省しました。</a:t>
+            </a:r>
+          </a:p>
+        </p:txBody>
+      </p:sp>
+    </p:spTree>
+    <p:extLst>
+      <p:ext uri="{BB962C8B-B14F-4D97-AF65-F5344CB8AC3E}">
+        <p14:creationId xmlns:p14="http://schemas.microsoft.com/office/powerpoint/2010/main" val="1878957962"/>
+      </p:ext>
+    </p:extLst>
+  </p:cSld>
+  <p:clrMapOvr>
+    <a:masterClrMapping/>
+  </p:clrMapOvr>
+</p:sld>
+</file>
+
+<file path=ppt/slides/slide5.xml><?xml version="1.0" encoding="utf-8"?>
+<p:sld xmlns:a="http://schemas.openxmlformats.org/drawingml/2006/main" xmlns:r="http://schemas.openxmlformats.org/officeDocument/2006/relationships" xmlns:p="http://schemas.openxmlformats.org/presentationml/2006/main">
+  <p:cSld>
+    <p:bg>
+      <p:bgPr>
+        <a:blipFill dpi="0" rotWithShape="1">
+          <a:blip r:embed="rId2">
+            <a:alphaModFix amt="70000"/>
+            <a:lum/>
+            <a:extLst>
+              <a:ext uri="{BEBA8EAE-BF5A-486C-A8C5-ECC9F3942E4B}">
+                <a14:imgProps xmlns:a14="http://schemas.microsoft.com/office/drawing/2010/main">
+                  <a14:imgLayer r:embed="rId3">
+                    <a14:imgEffect>
+                      <a14:artisticCutout trans="8000"/>
+                    </a14:imgEffect>
+                    <a14:imgEffect>
+                      <a14:saturation sat="97000"/>
+                    </a14:imgEffect>
+                  </a14:imgLayer>
+                </a14:imgProps>
+              </a:ext>
+            </a:extLst>
+          </a:blip>
+          <a:srcRect/>
+          <a:stretch>
+            <a:fillRect/>
+          </a:stretch>
+        </a:blipFill>
+        <a:effectLst/>
+      </p:bgPr>
+    </p:bg>
+    <p:spTree>
+      <p:nvGrpSpPr>
+        <p:cNvPr id="1" name=""/>
+        <p:cNvGrpSpPr/>
+        <p:nvPr/>
+      </p:nvGrpSpPr>
+      <p:grpSpPr>
+        <a:xfrm>
+          <a:off x="0" y="0"/>
+          <a:ext cx="0" cy="0"/>
+          <a:chOff x="0" y="0"/>
+          <a:chExt cx="0" cy="0"/>
+        </a:xfrm>
+      </p:grpSpPr>
+      <p:sp>
+        <p:nvSpPr>
+          <p:cNvPr id="2" name="タイトル 1">
+            <a:extLst>
+              <a:ext uri="{FF2B5EF4-FFF2-40B4-BE49-F238E27FC236}">
+                <a16:creationId xmlns:a16="http://schemas.microsoft.com/office/drawing/2014/main" id="{29CBEF91-EF07-B474-EE65-8A86109BCE88}"/>
+              </a:ext>
+            </a:extLst>
+          </p:cNvPr>
+          <p:cNvSpPr>
+            <a:spLocks noGrp="1"/>
+          </p:cNvSpPr>
+          <p:nvPr>
+            <p:ph type="title"/>
+          </p:nvPr>
+        </p:nvSpPr>
+        <p:spPr>
+          <a:xfrm>
+            <a:off x="1603716" y="365125"/>
+            <a:ext cx="9750083" cy="1325563"/>
+          </a:xfrm>
+        </p:spPr>
+        <p:txBody>
+          <a:bodyPr/>
+          <a:lstStyle/>
+          <a:p>
+            <a:r>
+              <a:rPr kumimoji="1" lang="ja-JP" altLang="en-US" b="1" dirty="0">
+                <a:ln>
+                  <a:solidFill>
+                    <a:schemeClr val="bg1">
+                      <a:lumMod val="65000"/>
+                    </a:schemeClr>
+                  </a:solidFill>
+                </a:ln>
+                <a:solidFill>
+                  <a:sysClr val="windowText" lastClr="000000"/>
+                </a:solidFill>
+                <a:latin typeface="+mn-ea"/>
+                <a:ea typeface="+mn-ea"/>
+              </a:rPr>
+              <a:t>工夫したこと、反省したこと</a:t>
+            </a:r>
+          </a:p>
+        </p:txBody>
+      </p:sp>
+      <p:sp>
+        <p:nvSpPr>
+          <p:cNvPr id="7" name="四角形: 角を丸くする 6">
+            <a:extLst>
+              <a:ext uri="{FF2B5EF4-FFF2-40B4-BE49-F238E27FC236}">
+                <a16:creationId xmlns:a16="http://schemas.microsoft.com/office/drawing/2014/main" id="{2502080D-4517-EA7C-E3F2-D82C0B0A0A1E}"/>
               </a:ext>
             </a:extLst>
           </p:cNvPr>
@@ -4893,8 +5120,8 @@
         </p:nvSpPr>
         <p:spPr>
           <a:xfrm>
-            <a:off x="493743" y="4131537"/>
-            <a:ext cx="5098674" cy="2445371"/>
+            <a:off x="493743" y="1503779"/>
+            <a:ext cx="10528702" cy="2445370"/>
           </a:xfrm>
           <a:prstGeom prst="roundRect">
             <a:avLst/>
@@ -4918,8 +5145,41 @@
           <a:bodyPr rtlCol="0" anchor="ctr"/>
           <a:lstStyle/>
           <a:p>
-            <a:pPr algn="ctr"/>
-            <a:endParaRPr kumimoji="1" lang="en-US" altLang="ja-JP" sz="3200" dirty="0"/>
+            <a:r>
+              <a:rPr kumimoji="1" lang="ja-JP" altLang="en-US" sz="2000" dirty="0"/>
+              <a:t>　</a:t>
+            </a:r>
+            <a:r>
+              <a:rPr kumimoji="1" lang="ja-JP" altLang="en-US" sz="2000" b="1" dirty="0"/>
+              <a:t>森岡</a:t>
+            </a:r>
+            <a:endParaRPr kumimoji="1" lang="en-US" altLang="ja-JP" sz="2000" b="1" dirty="0"/>
+          </a:p>
+          <a:p>
+            <a:r>
+              <a:rPr kumimoji="1" lang="ja-JP" altLang="en-US" sz="2000" dirty="0"/>
+              <a:t>・工夫した点：絞り込み機能で項目の選択をした後に文字を打ち込みデータベースで選択した項目を探し、その項目から打ち込まれた文字と同じものだけを見つけそれを</a:t>
+            </a:r>
+            <a:r>
+              <a:rPr kumimoji="1" lang="en-US" altLang="ja-JP" sz="2000" dirty="0"/>
+              <a:t>JSP</a:t>
+            </a:r>
+            <a:r>
+              <a:rPr kumimoji="1" lang="ja-JP" altLang="en-US" sz="2000" dirty="0"/>
+              <a:t>で表示するところが難しかったです。</a:t>
+            </a:r>
+          </a:p>
+          <a:p>
+            <a:r>
+              <a:rPr kumimoji="1" lang="ja-JP" altLang="en-US" sz="2000" dirty="0"/>
+              <a:t>・反省した点：自分で作成したプログラムで不備があるもの、「絞り込み機能」での絞り込む範囲が少なく出来てしまったり、改善しないといけない点が沢山ありました。</a:t>
+            </a:r>
+          </a:p>
+          <a:p>
+            <a:r>
+              <a:rPr kumimoji="1" lang="ja-JP" altLang="en-US" sz="2000" dirty="0"/>
+              <a:t>この経験を活かしプログラムについて勉強をしていこうと思いました。</a:t>
+            </a:r>
           </a:p>
         </p:txBody>
       </p:sp>
@@ -4937,8 +5197,8 @@
         </p:nvSpPr>
         <p:spPr>
           <a:xfrm>
-            <a:off x="5923771" y="4123704"/>
-            <a:ext cx="5098674" cy="2445371"/>
+            <a:off x="493743" y="4123705"/>
+            <a:ext cx="10528702" cy="2445370"/>
           </a:xfrm>
           <a:prstGeom prst="roundRect">
             <a:avLst/>
@@ -4962,15 +5222,58 @@
           <a:bodyPr rtlCol="0" anchor="ctr"/>
           <a:lstStyle/>
           <a:p>
-            <a:pPr algn="ctr"/>
-            <a:endParaRPr kumimoji="1" lang="en-US" altLang="ja-JP" sz="3200" dirty="0"/>
+            <a:r>
+              <a:rPr lang="ja-JP" altLang="en-US" sz="2000" dirty="0"/>
+              <a:t>　</a:t>
+            </a:r>
+            <a:r>
+              <a:rPr kumimoji="1" lang="ja-JP" altLang="en-US" sz="2000" b="1" dirty="0"/>
+              <a:t>田中</a:t>
+            </a:r>
+            <a:endParaRPr kumimoji="1" lang="en-US" altLang="ja-JP" sz="2000" b="1" dirty="0"/>
+          </a:p>
+          <a:p>
+            <a:r>
+              <a:rPr kumimoji="1" lang="ja-JP" altLang="en-US" sz="2000" dirty="0"/>
+              <a:t>・工夫した点：メインページの文字を縁取りすることで見やすくした。サインアップする際に、確認用</a:t>
+            </a:r>
+            <a:r>
+              <a:rPr kumimoji="1" lang="en-US" altLang="ja-JP" sz="2000" dirty="0"/>
+              <a:t>PW</a:t>
+            </a:r>
+            <a:r>
+              <a:rPr kumimoji="1" lang="ja-JP" altLang="en-US" sz="2000" dirty="0"/>
+              <a:t>が間違っていた時と登録しようとしている</a:t>
+            </a:r>
+            <a:r>
+              <a:rPr kumimoji="1" lang="en-US" altLang="ja-JP" sz="2000" dirty="0"/>
+              <a:t>ID</a:t>
+            </a:r>
+            <a:r>
+              <a:rPr kumimoji="1" lang="ja-JP" altLang="en-US" sz="2000" dirty="0"/>
+              <a:t>が既存のものの時に、真横に間違っている旨を表示するようにした。</a:t>
+            </a:r>
+          </a:p>
+          <a:p>
+            <a:r>
+              <a:rPr kumimoji="1" lang="ja-JP" altLang="en-US" sz="2000" dirty="0"/>
+              <a:t>・反省した点：ひな形は作れたものの、明らかに不完全なプログラムが多かったのでより丁寧にコーディングしようと思いました。投稿フォームのプルダウンの選択項目を表現するのに配列を使ってもよかったと思いました。</a:t>
+            </a:r>
+            <a:r>
+              <a:rPr kumimoji="1" lang="en-US" altLang="ja-JP" sz="2000" dirty="0"/>
+              <a:t>JS</a:t>
+            </a:r>
+            <a:r>
+              <a:rPr kumimoji="1" lang="ja-JP" altLang="en-US" sz="2000" dirty="0"/>
+              <a:t>で手こずる点が多かったので、これからも勉強に努めたいと思います。</a:t>
+            </a:r>
           </a:p>
         </p:txBody>
       </p:sp>
     </p:spTree>
     <p:extLst>
       <p:ext uri="{BB962C8B-B14F-4D97-AF65-F5344CB8AC3E}">
-        <p14:creationId xmlns:p14="http://schemas.microsoft.com/office/powerpoint/2010/main" val="1878957962"/>
+        <p14:creationId xmlns:p14="http://schemas.microsoft.com/office/powerpoint/2010/main" val="2714109089"/>
       </p:ext>
     </p:extLst>
   </p:cSld>
@@ -4980,7 +5283,7 @@
 </p:sld>
 </file>
 
-<file path=ppt/slides/slide5.xml><?xml version="1.0" encoding="utf-8"?>
+<file path=ppt/slides/slide6.xml><?xml version="1.0" encoding="utf-8"?>
 <p:sld xmlns:a="http://schemas.openxmlformats.org/drawingml/2006/main" xmlns:r="http://schemas.openxmlformats.org/officeDocument/2006/relationships" xmlns:p="http://schemas.openxmlformats.org/presentationml/2006/main">
   <p:cSld>
     <p:spTree>

--- a/document/プレゼンテーション資料/縁count.pptx
+++ b/document/プレゼンテーション資料/縁count.pptx
@@ -122,7 +122,7 @@
   <pc:docChgLst>
     <pc:chgData name="弘佑 永井" userId="54fd41506f0d43af" providerId="LiveId" clId="{BBFFC72F-D48D-41F0-816A-EDCAF5843F4A}"/>
     <pc:docChg chg="undo redo custSel addSld delSld modSld sldOrd">
-      <pc:chgData name="弘佑 永井" userId="54fd41506f0d43af" providerId="LiveId" clId="{BBFFC72F-D48D-41F0-816A-EDCAF5843F4A}" dt="2023-10-11T07:15:22.454" v="961" actId="113"/>
+      <pc:chgData name="弘佑 永井" userId="54fd41506f0d43af" providerId="LiveId" clId="{BBFFC72F-D48D-41F0-816A-EDCAF5843F4A}" dt="2023-10-12T01:38:27.676" v="976"/>
       <pc:docMkLst>
         <pc:docMk/>
       </pc:docMkLst>
@@ -157,13 +157,13 @@
         </pc:sldMkLst>
       </pc:sldChg>
       <pc:sldChg chg="addSp delSp modSp mod">
-        <pc:chgData name="弘佑 永井" userId="54fd41506f0d43af" providerId="LiveId" clId="{BBFFC72F-D48D-41F0-816A-EDCAF5843F4A}" dt="2023-10-05T05:26:07.951" v="558" actId="1076"/>
+        <pc:chgData name="弘佑 永井" userId="54fd41506f0d43af" providerId="LiveId" clId="{BBFFC72F-D48D-41F0-816A-EDCAF5843F4A}" dt="2023-10-12T01:38:27.676" v="976"/>
         <pc:sldMkLst>
           <pc:docMk/>
           <pc:sldMk cId="3702738920" sldId="259"/>
         </pc:sldMkLst>
         <pc:spChg chg="mod">
-          <ac:chgData name="弘佑 永井" userId="54fd41506f0d43af" providerId="LiveId" clId="{BBFFC72F-D48D-41F0-816A-EDCAF5843F4A}" dt="2023-10-05T05:10:36.173" v="148" actId="1036"/>
+          <ac:chgData name="弘佑 永井" userId="54fd41506f0d43af" providerId="LiveId" clId="{BBFFC72F-D48D-41F0-816A-EDCAF5843F4A}" dt="2023-10-12T01:38:27.676" v="976"/>
           <ac:spMkLst>
             <pc:docMk/>
             <pc:sldMk cId="3702738920" sldId="259"/>
@@ -323,13 +323,13 @@
         </pc:spChg>
       </pc:sldChg>
       <pc:sldChg chg="delSp modSp add mod ord">
-        <pc:chgData name="弘佑 永井" userId="54fd41506f0d43af" providerId="LiveId" clId="{BBFFC72F-D48D-41F0-816A-EDCAF5843F4A}" dt="2023-10-05T05:31:16.285" v="671" actId="1076"/>
+        <pc:chgData name="弘佑 永井" userId="54fd41506f0d43af" providerId="LiveId" clId="{BBFFC72F-D48D-41F0-816A-EDCAF5843F4A}" dt="2023-10-12T01:01:14.165" v="973" actId="20577"/>
         <pc:sldMkLst>
           <pc:docMk/>
           <pc:sldMk cId="4046657698" sldId="261"/>
         </pc:sldMkLst>
         <pc:spChg chg="mod">
-          <ac:chgData name="弘佑 永井" userId="54fd41506f0d43af" providerId="LiveId" clId="{BBFFC72F-D48D-41F0-816A-EDCAF5843F4A}" dt="2023-10-05T05:31:16.285" v="671" actId="1076"/>
+          <ac:chgData name="弘佑 永井" userId="54fd41506f0d43af" providerId="LiveId" clId="{BBFFC72F-D48D-41F0-816A-EDCAF5843F4A}" dt="2023-10-12T01:01:14.165" v="973" actId="20577"/>
           <ac:spMkLst>
             <pc:docMk/>
             <pc:sldMk cId="4046657698" sldId="261"/>
@@ -536,7 +536,7 @@
           <a:p>
             <a:fld id="{1C647427-787B-41C7-98C4-F19AC712F719}" type="datetimeFigureOut">
               <a:rPr kumimoji="1" lang="ja-JP" altLang="en-US" smtClean="0"/>
-              <a:t>2023/10/11</a:t>
+              <a:t>2023/10/12</a:t>
             </a:fld>
             <a:endParaRPr kumimoji="1" lang="ja-JP" altLang="en-US"/>
           </a:p>
@@ -766,7 +766,7 @@
           <a:p>
             <a:fld id="{1C647427-787B-41C7-98C4-F19AC712F719}" type="datetimeFigureOut">
               <a:rPr kumimoji="1" lang="ja-JP" altLang="en-US" smtClean="0"/>
-              <a:t>2023/10/11</a:t>
+              <a:t>2023/10/12</a:t>
             </a:fld>
             <a:endParaRPr kumimoji="1" lang="ja-JP" altLang="en-US"/>
           </a:p>
@@ -1006,7 +1006,7 @@
           <a:p>
             <a:fld id="{1C647427-787B-41C7-98C4-F19AC712F719}" type="datetimeFigureOut">
               <a:rPr kumimoji="1" lang="ja-JP" altLang="en-US" smtClean="0"/>
-              <a:t>2023/10/11</a:t>
+              <a:t>2023/10/12</a:t>
             </a:fld>
             <a:endParaRPr kumimoji="1" lang="ja-JP" altLang="en-US"/>
           </a:p>
@@ -1236,7 +1236,7 @@
           <a:p>
             <a:fld id="{1C647427-787B-41C7-98C4-F19AC712F719}" type="datetimeFigureOut">
               <a:rPr kumimoji="1" lang="ja-JP" altLang="en-US" smtClean="0"/>
-              <a:t>2023/10/11</a:t>
+              <a:t>2023/10/12</a:t>
             </a:fld>
             <a:endParaRPr kumimoji="1" lang="ja-JP" altLang="en-US"/>
           </a:p>
@@ -1511,7 +1511,7 @@
           <a:p>
             <a:fld id="{1C647427-787B-41C7-98C4-F19AC712F719}" type="datetimeFigureOut">
               <a:rPr kumimoji="1" lang="ja-JP" altLang="en-US" smtClean="0"/>
-              <a:t>2023/10/11</a:t>
+              <a:t>2023/10/12</a:t>
             </a:fld>
             <a:endParaRPr kumimoji="1" lang="ja-JP" altLang="en-US"/>
           </a:p>
@@ -1840,7 +1840,7 @@
           <a:p>
             <a:fld id="{1C647427-787B-41C7-98C4-F19AC712F719}" type="datetimeFigureOut">
               <a:rPr kumimoji="1" lang="ja-JP" altLang="en-US" smtClean="0"/>
-              <a:t>2023/10/11</a:t>
+              <a:t>2023/10/12</a:t>
             </a:fld>
             <a:endParaRPr kumimoji="1" lang="ja-JP" altLang="en-US"/>
           </a:p>
@@ -2316,7 +2316,7 @@
           <a:p>
             <a:fld id="{1C647427-787B-41C7-98C4-F19AC712F719}" type="datetimeFigureOut">
               <a:rPr kumimoji="1" lang="ja-JP" altLang="en-US" smtClean="0"/>
-              <a:t>2023/10/11</a:t>
+              <a:t>2023/10/12</a:t>
             </a:fld>
             <a:endParaRPr kumimoji="1" lang="ja-JP" altLang="en-US"/>
           </a:p>
@@ -2457,7 +2457,7 @@
           <a:p>
             <a:fld id="{1C647427-787B-41C7-98C4-F19AC712F719}" type="datetimeFigureOut">
               <a:rPr kumimoji="1" lang="ja-JP" altLang="en-US" smtClean="0"/>
-              <a:t>2023/10/11</a:t>
+              <a:t>2023/10/12</a:t>
             </a:fld>
             <a:endParaRPr kumimoji="1" lang="ja-JP" altLang="en-US"/>
           </a:p>
@@ -2570,7 +2570,7 @@
           <a:p>
             <a:fld id="{1C647427-787B-41C7-98C4-F19AC712F719}" type="datetimeFigureOut">
               <a:rPr kumimoji="1" lang="ja-JP" altLang="en-US" smtClean="0"/>
-              <a:t>2023/10/11</a:t>
+              <a:t>2023/10/12</a:t>
             </a:fld>
             <a:endParaRPr kumimoji="1" lang="ja-JP" altLang="en-US"/>
           </a:p>
@@ -2913,7 +2913,7 @@
           <a:p>
             <a:fld id="{1C647427-787B-41C7-98C4-F19AC712F719}" type="datetimeFigureOut">
               <a:rPr kumimoji="1" lang="ja-JP" altLang="en-US" smtClean="0"/>
-              <a:t>2023/10/11</a:t>
+              <a:t>2023/10/12</a:t>
             </a:fld>
             <a:endParaRPr kumimoji="1" lang="ja-JP" altLang="en-US"/>
           </a:p>
@@ -3201,7 +3201,7 @@
           <a:p>
             <a:fld id="{1C647427-787B-41C7-98C4-F19AC712F719}" type="datetimeFigureOut">
               <a:rPr kumimoji="1" lang="ja-JP" altLang="en-US" smtClean="0"/>
-              <a:t>2023/10/11</a:t>
+              <a:t>2023/10/12</a:t>
             </a:fld>
             <a:endParaRPr kumimoji="1" lang="ja-JP" altLang="en-US"/>
           </a:p>
@@ -3474,7 +3474,7 @@
           <a:p>
             <a:fld id="{1C647427-787B-41C7-98C4-F19AC712F719}" type="datetimeFigureOut">
               <a:rPr kumimoji="1" lang="ja-JP" altLang="en-US" smtClean="0"/>
-              <a:t>2023/10/11</a:t>
+              <a:t>2023/10/12</a:t>
             </a:fld>
             <a:endParaRPr kumimoji="1" lang="ja-JP" altLang="en-US"/>
           </a:p>
@@ -4333,10 +4333,26 @@
           <a:lstStyle/>
           <a:p>
             <a:r>
-              <a:rPr lang="ja-JP" altLang="en-US" b="1" dirty="0"/>
+              <a:rPr lang="ja-JP" altLang="en-US" b="1" dirty="0">
+                <a:effectLst>
+                  <a:outerShdw blurRad="38100" dist="38100" dir="2700000" algn="tl">
+                    <a:srgbClr val="000000">
+                      <a:alpha val="43137"/>
+                    </a:srgbClr>
+                  </a:outerShdw>
+                </a:effectLst>
+              </a:rPr>
               <a:t>操作説明</a:t>
             </a:r>
-            <a:endParaRPr kumimoji="1" lang="ja-JP" altLang="en-US" b="1" dirty="0"/>
+            <a:endParaRPr kumimoji="1" lang="ja-JP" altLang="en-US" b="1" dirty="0">
+              <a:effectLst>
+                <a:outerShdw blurRad="38100" dist="38100" dir="2700000" algn="tl">
+                  <a:srgbClr val="000000">
+                    <a:alpha val="43137"/>
+                  </a:srgbClr>
+                </a:outerShdw>
+              </a:effectLst>
+            </a:endParaRPr>
           </a:p>
         </p:txBody>
       </p:sp>
@@ -5379,6 +5395,13 @@
           </a:bodyPr>
           <a:lstStyle/>
           <a:p>
+            <a:r>
+              <a:rPr kumimoji="1" lang="ja-JP" altLang="en-US" sz="4400" b="1" dirty="0"/>
+              <a:t>ご清聴</a:t>
+            </a:r>
+            <a:br>
+              <a:rPr kumimoji="1" lang="en-US" altLang="ja-JP" sz="4400" b="1" dirty="0"/>
+            </a:br>
             <a:r>
               <a:rPr kumimoji="1" lang="ja-JP" altLang="en-US" sz="4400" b="1" dirty="0"/>
               <a:t>ありがとうございました</a:t>

--- a/document/プレゼンテーション資料/縁count.pptx
+++ b/document/プレゼンテーション資料/縁count.pptx
@@ -6,11 +6,13 @@
   </p:sldMasterIdLst>
   <p:sldIdLst>
     <p:sldId id="256" r:id="rId2"/>
-    <p:sldId id="257" r:id="rId3"/>
-    <p:sldId id="259" r:id="rId4"/>
-    <p:sldId id="260" r:id="rId5"/>
-    <p:sldId id="262" r:id="rId6"/>
-    <p:sldId id="261" r:id="rId7"/>
+    <p:sldId id="263" r:id="rId3"/>
+    <p:sldId id="257" r:id="rId4"/>
+    <p:sldId id="259" r:id="rId5"/>
+    <p:sldId id="264" r:id="rId6"/>
+    <p:sldId id="260" r:id="rId7"/>
+    <p:sldId id="262" r:id="rId8"/>
+    <p:sldId id="261" r:id="rId9"/>
   </p:sldIdLst>
   <p:sldSz cx="12192000" cy="6858000"/>
   <p:notesSz cx="6858000" cy="9144000"/>
@@ -122,7 +124,7 @@
   <pc:docChgLst>
     <pc:chgData name="弘佑 永井" userId="54fd41506f0d43af" providerId="LiveId" clId="{BBFFC72F-D48D-41F0-816A-EDCAF5843F4A}"/>
     <pc:docChg chg="undo redo custSel addSld delSld modSld sldOrd">
-      <pc:chgData name="弘佑 永井" userId="54fd41506f0d43af" providerId="LiveId" clId="{BBFFC72F-D48D-41F0-816A-EDCAF5843F4A}" dt="2023-10-12T01:38:27.676" v="976"/>
+      <pc:chgData name="弘佑 永井" userId="54fd41506f0d43af" providerId="LiveId" clId="{BBFFC72F-D48D-41F0-816A-EDCAF5843F4A}" dt="2023-10-12T04:32:41.384" v="1198" actId="20577"/>
       <pc:docMkLst>
         <pc:docMk/>
       </pc:docMkLst>
@@ -381,6 +383,44 @@
             <pc:docMk/>
             <pc:sldMk cId="2714109089" sldId="262"/>
             <ac:spMk id="12" creationId="{9C41B147-2285-8EAF-E530-098533E5E1E1}"/>
+          </ac:spMkLst>
+        </pc:spChg>
+      </pc:sldChg>
+      <pc:sldChg chg="delSp modSp add mod ord">
+        <pc:chgData name="弘佑 永井" userId="54fd41506f0d43af" providerId="LiveId" clId="{BBFFC72F-D48D-41F0-816A-EDCAF5843F4A}" dt="2023-10-12T04:31:31.567" v="1161" actId="1037"/>
+        <pc:sldMkLst>
+          <pc:docMk/>
+          <pc:sldMk cId="1287093580" sldId="263"/>
+        </pc:sldMkLst>
+        <pc:spChg chg="mod">
+          <ac:chgData name="弘佑 永井" userId="54fd41506f0d43af" providerId="LiveId" clId="{BBFFC72F-D48D-41F0-816A-EDCAF5843F4A}" dt="2023-10-12T04:31:31.567" v="1161" actId="1037"/>
+          <ac:spMkLst>
+            <pc:docMk/>
+            <pc:sldMk cId="1287093580" sldId="263"/>
+            <ac:spMk id="2" creationId="{29CBEF91-EF07-B474-EE65-8A86109BCE88}"/>
+          </ac:spMkLst>
+        </pc:spChg>
+        <pc:spChg chg="del mod">
+          <ac:chgData name="弘佑 永井" userId="54fd41506f0d43af" providerId="LiveId" clId="{BBFFC72F-D48D-41F0-816A-EDCAF5843F4A}" dt="2023-10-12T04:29:15.133" v="986" actId="478"/>
+          <ac:spMkLst>
+            <pc:docMk/>
+            <pc:sldMk cId="1287093580" sldId="263"/>
+            <ac:spMk id="3" creationId="{D40BBEE7-D981-3C31-8DB4-4C571C78E7DA}"/>
+          </ac:spMkLst>
+        </pc:spChg>
+      </pc:sldChg>
+      <pc:sldChg chg="modSp add mod">
+        <pc:chgData name="弘佑 永井" userId="54fd41506f0d43af" providerId="LiveId" clId="{BBFFC72F-D48D-41F0-816A-EDCAF5843F4A}" dt="2023-10-12T04:32:41.384" v="1198" actId="20577"/>
+        <pc:sldMkLst>
+          <pc:docMk/>
+          <pc:sldMk cId="3383321665" sldId="264"/>
+        </pc:sldMkLst>
+        <pc:spChg chg="mod">
+          <ac:chgData name="弘佑 永井" userId="54fd41506f0d43af" providerId="LiveId" clId="{BBFFC72F-D48D-41F0-816A-EDCAF5843F4A}" dt="2023-10-12T04:32:41.384" v="1198" actId="20577"/>
+          <ac:spMkLst>
+            <pc:docMk/>
+            <pc:sldMk cId="3383321665" sldId="264"/>
+            <ac:spMk id="2" creationId="{29CBEF91-EF07-B474-EE65-8A86109BCE88}"/>
           </ac:spMkLst>
         </pc:spChg>
       </pc:sldChg>
@@ -4119,6 +4159,361 @@
         </p:nvSpPr>
         <p:spPr>
           <a:xfrm>
+            <a:off x="2226571" y="365125"/>
+            <a:ext cx="9196806" cy="5916405"/>
+          </a:xfrm>
+        </p:spPr>
+        <p:txBody>
+          <a:bodyPr>
+            <a:normAutofit/>
+          </a:bodyPr>
+          <a:lstStyle/>
+          <a:p>
+            <a:r>
+              <a:rPr kumimoji="1" lang="en-US" altLang="ja-JP" sz="5400" b="1" dirty="0">
+                <a:ln>
+                  <a:solidFill>
+                    <a:schemeClr val="bg1">
+                      <a:lumMod val="65000"/>
+                    </a:schemeClr>
+                  </a:solidFill>
+                </a:ln>
+                <a:solidFill>
+                  <a:sysClr val="windowText" lastClr="000000"/>
+                </a:solidFill>
+                <a:latin typeface="+mn-ea"/>
+                <a:ea typeface="+mn-ea"/>
+              </a:rPr>
+              <a:t>1</a:t>
+            </a:r>
+            <a:r>
+              <a:rPr lang="en-US" altLang="ja-JP" sz="5400" b="1" dirty="0">
+                <a:ln>
+                  <a:solidFill>
+                    <a:schemeClr val="bg1">
+                      <a:lumMod val="65000"/>
+                    </a:schemeClr>
+                  </a:solidFill>
+                </a:ln>
+                <a:solidFill>
+                  <a:sysClr val="windowText" lastClr="000000"/>
+                </a:solidFill>
+                <a:latin typeface="+mn-ea"/>
+                <a:ea typeface="+mn-ea"/>
+              </a:rPr>
+              <a:t>.</a:t>
+            </a:r>
+            <a:r>
+              <a:rPr lang="ja-JP" altLang="en-US" sz="5400" b="1" dirty="0">
+                <a:ln>
+                  <a:solidFill>
+                    <a:schemeClr val="bg1">
+                      <a:lumMod val="65000"/>
+                    </a:schemeClr>
+                  </a:solidFill>
+                </a:ln>
+                <a:solidFill>
+                  <a:sysClr val="windowText" lastClr="000000"/>
+                </a:solidFill>
+                <a:latin typeface="+mn-ea"/>
+                <a:ea typeface="+mn-ea"/>
+              </a:rPr>
+              <a:t>開発の目的</a:t>
+            </a:r>
+            <a:br>
+              <a:rPr lang="en-US" altLang="ja-JP" sz="5400" b="1" dirty="0">
+                <a:ln>
+                  <a:solidFill>
+                    <a:schemeClr val="bg1">
+                      <a:lumMod val="65000"/>
+                    </a:schemeClr>
+                  </a:solidFill>
+                </a:ln>
+                <a:solidFill>
+                  <a:sysClr val="windowText" lastClr="000000"/>
+                </a:solidFill>
+                <a:latin typeface="+mn-ea"/>
+                <a:ea typeface="+mn-ea"/>
+              </a:rPr>
+            </a:br>
+            <a:r>
+              <a:rPr lang="en-US" altLang="ja-JP" sz="5400" b="1" dirty="0">
+                <a:ln>
+                  <a:solidFill>
+                    <a:schemeClr val="bg1">
+                      <a:lumMod val="65000"/>
+                    </a:schemeClr>
+                  </a:solidFill>
+                </a:ln>
+                <a:solidFill>
+                  <a:sysClr val="windowText" lastClr="000000"/>
+                </a:solidFill>
+                <a:latin typeface="+mn-ea"/>
+                <a:ea typeface="+mn-ea"/>
+              </a:rPr>
+              <a:t>2.</a:t>
+            </a:r>
+            <a:r>
+              <a:rPr lang="ja-JP" altLang="en-US" sz="5400" b="1" dirty="0">
+                <a:ln>
+                  <a:solidFill>
+                    <a:schemeClr val="bg1">
+                      <a:lumMod val="65000"/>
+                    </a:schemeClr>
+                  </a:solidFill>
+                </a:ln>
+                <a:solidFill>
+                  <a:sysClr val="windowText" lastClr="000000"/>
+                </a:solidFill>
+                <a:latin typeface="+mn-ea"/>
+                <a:ea typeface="+mn-ea"/>
+              </a:rPr>
+              <a:t>操作説明</a:t>
+            </a:r>
+            <a:br>
+              <a:rPr lang="en-US" altLang="ja-JP" sz="5400" b="1" dirty="0">
+                <a:ln>
+                  <a:solidFill>
+                    <a:schemeClr val="bg1">
+                      <a:lumMod val="65000"/>
+                    </a:schemeClr>
+                  </a:solidFill>
+                </a:ln>
+                <a:solidFill>
+                  <a:sysClr val="windowText" lastClr="000000"/>
+                </a:solidFill>
+                <a:latin typeface="+mn-ea"/>
+                <a:ea typeface="+mn-ea"/>
+              </a:rPr>
+            </a:br>
+            <a:r>
+              <a:rPr lang="en-US" altLang="ja-JP" sz="5400" b="1" dirty="0">
+                <a:ln>
+                  <a:solidFill>
+                    <a:schemeClr val="bg1">
+                      <a:lumMod val="65000"/>
+                    </a:schemeClr>
+                  </a:solidFill>
+                </a:ln>
+                <a:solidFill>
+                  <a:sysClr val="windowText" lastClr="000000"/>
+                </a:solidFill>
+                <a:latin typeface="+mn-ea"/>
+                <a:ea typeface="+mn-ea"/>
+              </a:rPr>
+              <a:t>3.</a:t>
+            </a:r>
+            <a:r>
+              <a:rPr lang="ja-JP" altLang="en-US" sz="5400" b="1" dirty="0">
+                <a:ln>
+                  <a:solidFill>
+                    <a:schemeClr val="bg1">
+                      <a:lumMod val="65000"/>
+                    </a:schemeClr>
+                  </a:solidFill>
+                </a:ln>
+                <a:solidFill>
+                  <a:sysClr val="windowText" lastClr="000000"/>
+                </a:solidFill>
+                <a:latin typeface="+mn-ea"/>
+                <a:ea typeface="+mn-ea"/>
+              </a:rPr>
+              <a:t>機能、プログラム説明</a:t>
+            </a:r>
+            <a:br>
+              <a:rPr lang="en-US" altLang="ja-JP" sz="5400" b="1" dirty="0">
+                <a:ln>
+                  <a:solidFill>
+                    <a:schemeClr val="bg1">
+                      <a:lumMod val="65000"/>
+                    </a:schemeClr>
+                  </a:solidFill>
+                </a:ln>
+                <a:solidFill>
+                  <a:sysClr val="windowText" lastClr="000000"/>
+                </a:solidFill>
+                <a:latin typeface="+mn-ea"/>
+                <a:ea typeface="+mn-ea"/>
+              </a:rPr>
+            </a:br>
+            <a:r>
+              <a:rPr lang="en-US" altLang="ja-JP" sz="5400" b="1" dirty="0">
+                <a:ln>
+                  <a:solidFill>
+                    <a:schemeClr val="bg1">
+                      <a:lumMod val="65000"/>
+                    </a:schemeClr>
+                  </a:solidFill>
+                </a:ln>
+                <a:solidFill>
+                  <a:sysClr val="windowText" lastClr="000000"/>
+                </a:solidFill>
+                <a:latin typeface="+mn-ea"/>
+                <a:ea typeface="+mn-ea"/>
+              </a:rPr>
+              <a:t>4.</a:t>
+            </a:r>
+            <a:r>
+              <a:rPr lang="ja-JP" altLang="en-US" sz="5400" b="1" dirty="0">
+                <a:ln>
+                  <a:solidFill>
+                    <a:schemeClr val="bg1">
+                      <a:lumMod val="65000"/>
+                    </a:schemeClr>
+                  </a:solidFill>
+                </a:ln>
+                <a:solidFill>
+                  <a:sysClr val="windowText" lastClr="000000"/>
+                </a:solidFill>
+                <a:latin typeface="+mn-ea"/>
+                <a:ea typeface="+mn-ea"/>
+              </a:rPr>
+              <a:t>工夫、反省点</a:t>
+            </a:r>
+            <a:br>
+              <a:rPr lang="en-US" altLang="ja-JP" sz="5400" b="1" dirty="0">
+                <a:ln>
+                  <a:solidFill>
+                    <a:schemeClr val="bg1">
+                      <a:lumMod val="65000"/>
+                    </a:schemeClr>
+                  </a:solidFill>
+                </a:ln>
+                <a:solidFill>
+                  <a:sysClr val="windowText" lastClr="000000"/>
+                </a:solidFill>
+                <a:latin typeface="+mn-ea"/>
+                <a:ea typeface="+mn-ea"/>
+              </a:rPr>
+            </a:br>
+            <a:r>
+              <a:rPr lang="en-US" altLang="ja-JP" sz="5400" b="1" dirty="0">
+                <a:ln>
+                  <a:solidFill>
+                    <a:schemeClr val="bg1">
+                      <a:lumMod val="65000"/>
+                    </a:schemeClr>
+                  </a:solidFill>
+                </a:ln>
+                <a:solidFill>
+                  <a:sysClr val="windowText" lastClr="000000"/>
+                </a:solidFill>
+                <a:latin typeface="+mn-ea"/>
+                <a:ea typeface="+mn-ea"/>
+              </a:rPr>
+              <a:t>5.</a:t>
+            </a:r>
+            <a:r>
+              <a:rPr lang="ja-JP" altLang="en-US" sz="5400" b="1" dirty="0">
+                <a:ln>
+                  <a:solidFill>
+                    <a:schemeClr val="bg1">
+                      <a:lumMod val="65000"/>
+                    </a:schemeClr>
+                  </a:solidFill>
+                </a:ln>
+                <a:solidFill>
+                  <a:sysClr val="windowText" lastClr="000000"/>
+                </a:solidFill>
+                <a:latin typeface="+mn-ea"/>
+                <a:ea typeface="+mn-ea"/>
+              </a:rPr>
+              <a:t>質疑応答</a:t>
+            </a:r>
+            <a:endParaRPr kumimoji="1" lang="ja-JP" altLang="en-US" sz="5400" b="1" dirty="0">
+              <a:ln>
+                <a:solidFill>
+                  <a:schemeClr val="bg1">
+                    <a:lumMod val="65000"/>
+                  </a:schemeClr>
+                </a:solidFill>
+              </a:ln>
+              <a:solidFill>
+                <a:sysClr val="windowText" lastClr="000000"/>
+              </a:solidFill>
+              <a:latin typeface="+mn-ea"/>
+              <a:ea typeface="+mn-ea"/>
+            </a:endParaRPr>
+          </a:p>
+        </p:txBody>
+      </p:sp>
+    </p:spTree>
+    <p:extLst>
+      <p:ext uri="{BB962C8B-B14F-4D97-AF65-F5344CB8AC3E}">
+        <p14:creationId xmlns:p14="http://schemas.microsoft.com/office/powerpoint/2010/main" val="1287093580"/>
+      </p:ext>
+    </p:extLst>
+  </p:cSld>
+  <p:clrMapOvr>
+    <a:masterClrMapping/>
+  </p:clrMapOvr>
+</p:sld>
+</file>
+
+<file path=ppt/slides/slide3.xml><?xml version="1.0" encoding="utf-8"?>
+<p:sld xmlns:a="http://schemas.openxmlformats.org/drawingml/2006/main" xmlns:r="http://schemas.openxmlformats.org/officeDocument/2006/relationships" xmlns:p="http://schemas.openxmlformats.org/presentationml/2006/main">
+  <p:cSld>
+    <p:bg>
+      <p:bgPr>
+        <a:blipFill dpi="0" rotWithShape="1">
+          <a:blip r:embed="rId2">
+            <a:alphaModFix amt="70000"/>
+            <a:lum/>
+            <a:extLst>
+              <a:ext uri="{BEBA8EAE-BF5A-486C-A8C5-ECC9F3942E4B}">
+                <a14:imgProps xmlns:a14="http://schemas.microsoft.com/office/drawing/2010/main">
+                  <a14:imgLayer r:embed="rId3">
+                    <a14:imgEffect>
+                      <a14:artisticCutout trans="8000"/>
+                    </a14:imgEffect>
+                    <a14:imgEffect>
+                      <a14:saturation sat="97000"/>
+                    </a14:imgEffect>
+                  </a14:imgLayer>
+                </a14:imgProps>
+              </a:ext>
+            </a:extLst>
+          </a:blip>
+          <a:srcRect/>
+          <a:stretch>
+            <a:fillRect/>
+          </a:stretch>
+        </a:blipFill>
+        <a:effectLst/>
+      </p:bgPr>
+    </p:bg>
+    <p:spTree>
+      <p:nvGrpSpPr>
+        <p:cNvPr id="1" name=""/>
+        <p:cNvGrpSpPr/>
+        <p:nvPr/>
+      </p:nvGrpSpPr>
+      <p:grpSpPr>
+        <a:xfrm>
+          <a:off x="0" y="0"/>
+          <a:ext cx="0" cy="0"/>
+          <a:chOff x="0" y="0"/>
+          <a:chExt cx="0" cy="0"/>
+        </a:xfrm>
+      </p:grpSpPr>
+      <p:sp>
+        <p:nvSpPr>
+          <p:cNvPr id="2" name="タイトル 1">
+            <a:extLst>
+              <a:ext uri="{FF2B5EF4-FFF2-40B4-BE49-F238E27FC236}">
+                <a16:creationId xmlns:a16="http://schemas.microsoft.com/office/drawing/2014/main" id="{29CBEF91-EF07-B474-EE65-8A86109BCE88}"/>
+              </a:ext>
+            </a:extLst>
+          </p:cNvPr>
+          <p:cNvSpPr>
+            <a:spLocks noGrp="1"/>
+          </p:cNvSpPr>
+          <p:nvPr>
+            <p:ph type="title"/>
+          </p:nvPr>
+        </p:nvSpPr>
+        <p:spPr>
+          <a:xfrm>
             <a:off x="1603716" y="365125"/>
             <a:ext cx="9750083" cy="1325563"/>
           </a:xfrm>
@@ -4260,7 +4655,7 @@
 </p:sld>
 </file>
 
-<file path=ppt/slides/slide3.xml><?xml version="1.0" encoding="utf-8"?>
+<file path=ppt/slides/slide4.xml><?xml version="1.0" encoding="utf-8"?>
 <p:sld xmlns:a="http://schemas.openxmlformats.org/drawingml/2006/main" xmlns:r="http://schemas.openxmlformats.org/officeDocument/2006/relationships" xmlns:p="http://schemas.openxmlformats.org/presentationml/2006/main">
   <p:cSld>
     <p:bg>
@@ -4755,7 +5150,7 @@
 </p:sld>
 </file>
 
-<file path=ppt/slides/slide4.xml><?xml version="1.0" encoding="utf-8"?>
+<file path=ppt/slides/slide5.xml><?xml version="1.0" encoding="utf-8"?>
 <p:sld xmlns:a="http://schemas.openxmlformats.org/drawingml/2006/main" xmlns:r="http://schemas.openxmlformats.org/officeDocument/2006/relationships" xmlns:p="http://schemas.openxmlformats.org/presentationml/2006/main">
   <p:cSld>
     <p:bg>
@@ -4819,6 +5214,492 @@
         </p:nvSpPr>
         <p:spPr>
           <a:xfrm>
+            <a:off x="1669976" y="338619"/>
+            <a:ext cx="9750083" cy="1325563"/>
+          </a:xfrm>
+        </p:spPr>
+        <p:txBody>
+          <a:bodyPr/>
+          <a:lstStyle/>
+          <a:p>
+            <a:r>
+              <a:rPr kumimoji="1" lang="ja-JP" altLang="en-US" b="1" dirty="0">
+                <a:effectLst>
+                  <a:outerShdw blurRad="38100" dist="38100" dir="2700000" algn="tl">
+                    <a:srgbClr val="000000">
+                      <a:alpha val="43137"/>
+                    </a:srgbClr>
+                  </a:outerShdw>
+                </a:effectLst>
+              </a:rPr>
+              <a:t>機能、プログラム説明</a:t>
+            </a:r>
+          </a:p>
+        </p:txBody>
+      </p:sp>
+      <p:sp>
+        <p:nvSpPr>
+          <p:cNvPr id="4" name="四角形: 角を丸くする 3">
+            <a:extLst>
+              <a:ext uri="{FF2B5EF4-FFF2-40B4-BE49-F238E27FC236}">
+                <a16:creationId xmlns:a16="http://schemas.microsoft.com/office/drawing/2014/main" id="{68FF3178-FB69-BB84-202C-FC25ACCA52A1}"/>
+              </a:ext>
+            </a:extLst>
+          </p:cNvPr>
+          <p:cNvSpPr/>
+          <p:nvPr/>
+        </p:nvSpPr>
+        <p:spPr>
+          <a:xfrm>
+            <a:off x="1580421" y="1583290"/>
+            <a:ext cx="3829878" cy="2284964"/>
+          </a:xfrm>
+          <a:prstGeom prst="roundRect">
+            <a:avLst/>
+          </a:prstGeom>
+        </p:spPr>
+        <p:style>
+          <a:lnRef idx="1">
+            <a:schemeClr val="accent6"/>
+          </a:lnRef>
+          <a:fillRef idx="2">
+            <a:schemeClr val="accent6"/>
+          </a:fillRef>
+          <a:effectRef idx="1">
+            <a:schemeClr val="accent6"/>
+          </a:effectRef>
+          <a:fontRef idx="minor">
+            <a:schemeClr val="dk1"/>
+          </a:fontRef>
+        </p:style>
+        <p:txBody>
+          <a:bodyPr rtlCol="0" anchor="ctr"/>
+          <a:lstStyle/>
+          <a:p>
+            <a:pPr algn="ctr"/>
+            <a:r>
+              <a:rPr kumimoji="1" lang="ja-JP" altLang="en-US" sz="3200" dirty="0"/>
+              <a:t>ログイン</a:t>
+            </a:r>
+            <a:endParaRPr kumimoji="1" lang="en-US" altLang="ja-JP" sz="3200" dirty="0"/>
+          </a:p>
+          <a:p>
+            <a:pPr algn="ctr"/>
+            <a:r>
+              <a:rPr kumimoji="1" lang="ja-JP" altLang="en-US" sz="3200" dirty="0"/>
+              <a:t>サインアップ</a:t>
+            </a:r>
+          </a:p>
+        </p:txBody>
+      </p:sp>
+      <p:sp>
+        <p:nvSpPr>
+          <p:cNvPr id="5" name="四角形: 角を丸くする 4">
+            <a:extLst>
+              <a:ext uri="{FF2B5EF4-FFF2-40B4-BE49-F238E27FC236}">
+                <a16:creationId xmlns:a16="http://schemas.microsoft.com/office/drawing/2014/main" id="{14D8BD8E-35CA-D4F4-987C-24EE642D3BF9}"/>
+              </a:ext>
+            </a:extLst>
+          </p:cNvPr>
+          <p:cNvSpPr/>
+          <p:nvPr/>
+        </p:nvSpPr>
+        <p:spPr>
+          <a:xfrm>
+            <a:off x="6367673" y="1583290"/>
+            <a:ext cx="3829878" cy="2284964"/>
+          </a:xfrm>
+          <a:prstGeom prst="roundRect">
+            <a:avLst/>
+          </a:prstGeom>
+        </p:spPr>
+        <p:style>
+          <a:lnRef idx="1">
+            <a:schemeClr val="accent6"/>
+          </a:lnRef>
+          <a:fillRef idx="2">
+            <a:schemeClr val="accent6"/>
+          </a:fillRef>
+          <a:effectRef idx="1">
+            <a:schemeClr val="accent6"/>
+          </a:effectRef>
+          <a:fontRef idx="minor">
+            <a:schemeClr val="dk1"/>
+          </a:fontRef>
+        </p:style>
+        <p:txBody>
+          <a:bodyPr rtlCol="0" anchor="ctr"/>
+          <a:lstStyle/>
+          <a:p>
+            <a:pPr algn="ctr"/>
+            <a:r>
+              <a:rPr kumimoji="1" lang="ja-JP" altLang="en-US" sz="3200" dirty="0"/>
+              <a:t>名簿</a:t>
+            </a:r>
+            <a:endParaRPr kumimoji="1" lang="en-US" altLang="ja-JP" sz="3200" dirty="0"/>
+          </a:p>
+          <a:p>
+            <a:pPr algn="ctr"/>
+            <a:r>
+              <a:rPr kumimoji="1" lang="ja-JP" altLang="en-US" sz="3200" dirty="0"/>
+              <a:t>登録</a:t>
+            </a:r>
+            <a:r>
+              <a:rPr lang="ja-JP" altLang="en-US" sz="3200" dirty="0"/>
+              <a:t>・</a:t>
+            </a:r>
+            <a:r>
+              <a:rPr kumimoji="1" lang="ja-JP" altLang="en-US" sz="3200" dirty="0"/>
+              <a:t>一覧</a:t>
+            </a:r>
+          </a:p>
+        </p:txBody>
+      </p:sp>
+      <p:sp>
+        <p:nvSpPr>
+          <p:cNvPr id="6" name="四角形: 角を丸くする 5">
+            <a:extLst>
+              <a:ext uri="{FF2B5EF4-FFF2-40B4-BE49-F238E27FC236}">
+                <a16:creationId xmlns:a16="http://schemas.microsoft.com/office/drawing/2014/main" id="{33A2B069-8AB2-550E-C97A-D8CE24636261}"/>
+              </a:ext>
+            </a:extLst>
+          </p:cNvPr>
+          <p:cNvSpPr/>
+          <p:nvPr/>
+        </p:nvSpPr>
+        <p:spPr>
+          <a:xfrm>
+            <a:off x="7096539" y="4158733"/>
+            <a:ext cx="3829878" cy="2284964"/>
+          </a:xfrm>
+          <a:prstGeom prst="roundRect">
+            <a:avLst/>
+          </a:prstGeom>
+        </p:spPr>
+        <p:style>
+          <a:lnRef idx="1">
+            <a:schemeClr val="accent6"/>
+          </a:lnRef>
+          <a:fillRef idx="2">
+            <a:schemeClr val="accent6"/>
+          </a:fillRef>
+          <a:effectRef idx="1">
+            <a:schemeClr val="accent6"/>
+          </a:effectRef>
+          <a:fontRef idx="minor">
+            <a:schemeClr val="dk1"/>
+          </a:fontRef>
+        </p:style>
+        <p:txBody>
+          <a:bodyPr rtlCol="0" anchor="ctr"/>
+          <a:lstStyle/>
+          <a:p>
+            <a:pPr algn="ctr"/>
+            <a:r>
+              <a:rPr kumimoji="1" lang="ja-JP" altLang="en-US" sz="3200" dirty="0"/>
+              <a:t>カレンダー</a:t>
+            </a:r>
+          </a:p>
+        </p:txBody>
+      </p:sp>
+      <p:sp>
+        <p:nvSpPr>
+          <p:cNvPr id="7" name="四角形: 角を丸くする 6">
+            <a:extLst>
+              <a:ext uri="{FF2B5EF4-FFF2-40B4-BE49-F238E27FC236}">
+                <a16:creationId xmlns:a16="http://schemas.microsoft.com/office/drawing/2014/main" id="{2A9B8F24-F714-1AE3-0B76-8EC0D8E49EB4}"/>
+              </a:ext>
+            </a:extLst>
+          </p:cNvPr>
+          <p:cNvSpPr/>
+          <p:nvPr/>
+        </p:nvSpPr>
+        <p:spPr>
+          <a:xfrm>
+            <a:off x="2438399" y="4158733"/>
+            <a:ext cx="3829878" cy="2284964"/>
+          </a:xfrm>
+          <a:prstGeom prst="roundRect">
+            <a:avLst/>
+          </a:prstGeom>
+        </p:spPr>
+        <p:style>
+          <a:lnRef idx="1">
+            <a:schemeClr val="accent6"/>
+          </a:lnRef>
+          <a:fillRef idx="2">
+            <a:schemeClr val="accent6"/>
+          </a:fillRef>
+          <a:effectRef idx="1">
+            <a:schemeClr val="accent6"/>
+          </a:effectRef>
+          <a:fontRef idx="minor">
+            <a:schemeClr val="dk1"/>
+          </a:fontRef>
+        </p:style>
+        <p:txBody>
+          <a:bodyPr rtlCol="0" anchor="ctr"/>
+          <a:lstStyle/>
+          <a:p>
+            <a:pPr algn="ctr"/>
+            <a:r>
+              <a:rPr kumimoji="1" lang="ja-JP" altLang="en-US" sz="3200" dirty="0"/>
+              <a:t>貰い物贈り物</a:t>
+            </a:r>
+            <a:endParaRPr kumimoji="1" lang="en-US" altLang="ja-JP" sz="3200" dirty="0"/>
+          </a:p>
+          <a:p>
+            <a:pPr algn="ctr"/>
+            <a:r>
+              <a:rPr kumimoji="1" lang="ja-JP" altLang="en-US" sz="3200" dirty="0"/>
+              <a:t>登録・一覧</a:t>
+            </a:r>
+            <a:endParaRPr kumimoji="1" lang="en-US" altLang="ja-JP" sz="3200" dirty="0"/>
+          </a:p>
+        </p:txBody>
+      </p:sp>
+      <p:sp>
+        <p:nvSpPr>
+          <p:cNvPr id="8" name="矢印: 右 7">
+            <a:extLst>
+              <a:ext uri="{FF2B5EF4-FFF2-40B4-BE49-F238E27FC236}">
+                <a16:creationId xmlns:a16="http://schemas.microsoft.com/office/drawing/2014/main" id="{6C09239C-99FC-8DB4-8DD9-A6FD79CF0418}"/>
+              </a:ext>
+            </a:extLst>
+          </p:cNvPr>
+          <p:cNvSpPr/>
+          <p:nvPr/>
+        </p:nvSpPr>
+        <p:spPr>
+          <a:xfrm>
+            <a:off x="5564308" y="2414604"/>
+            <a:ext cx="649356" cy="703228"/>
+          </a:xfrm>
+          <a:prstGeom prst="rightArrow">
+            <a:avLst/>
+          </a:prstGeom>
+          <a:solidFill>
+            <a:srgbClr val="92D050"/>
+          </a:solidFill>
+          <a:ln>
+            <a:solidFill>
+              <a:schemeClr val="tx1">
+                <a:lumMod val="95000"/>
+                <a:lumOff val="5000"/>
+              </a:schemeClr>
+            </a:solidFill>
+          </a:ln>
+        </p:spPr>
+        <p:style>
+          <a:lnRef idx="1">
+            <a:schemeClr val="accent6"/>
+          </a:lnRef>
+          <a:fillRef idx="3">
+            <a:schemeClr val="accent6"/>
+          </a:fillRef>
+          <a:effectRef idx="2">
+            <a:schemeClr val="accent6"/>
+          </a:effectRef>
+          <a:fontRef idx="minor">
+            <a:schemeClr val="lt1"/>
+          </a:fontRef>
+        </p:style>
+        <p:txBody>
+          <a:bodyPr rtlCol="0" anchor="ctr"/>
+          <a:lstStyle/>
+          <a:p>
+            <a:pPr algn="ctr"/>
+            <a:endParaRPr kumimoji="1" lang="ja-JP" altLang="en-US"/>
+          </a:p>
+        </p:txBody>
+      </p:sp>
+      <p:sp>
+        <p:nvSpPr>
+          <p:cNvPr id="9" name="矢印: 右 8">
+            <a:extLst>
+              <a:ext uri="{FF2B5EF4-FFF2-40B4-BE49-F238E27FC236}">
+                <a16:creationId xmlns:a16="http://schemas.microsoft.com/office/drawing/2014/main" id="{EA9858ED-4128-0CFB-C572-CA84E8641993}"/>
+              </a:ext>
+            </a:extLst>
+          </p:cNvPr>
+          <p:cNvSpPr/>
+          <p:nvPr/>
+        </p:nvSpPr>
+        <p:spPr>
+          <a:xfrm rot="7912153">
+            <a:off x="5737783" y="3533154"/>
+            <a:ext cx="649356" cy="703228"/>
+          </a:xfrm>
+          <a:prstGeom prst="rightArrow">
+            <a:avLst/>
+          </a:prstGeom>
+          <a:solidFill>
+            <a:srgbClr val="92D050"/>
+          </a:solidFill>
+          <a:ln>
+            <a:solidFill>
+              <a:schemeClr val="tx1">
+                <a:lumMod val="95000"/>
+                <a:lumOff val="5000"/>
+              </a:schemeClr>
+            </a:solidFill>
+          </a:ln>
+        </p:spPr>
+        <p:style>
+          <a:lnRef idx="1">
+            <a:schemeClr val="accent6"/>
+          </a:lnRef>
+          <a:fillRef idx="3">
+            <a:schemeClr val="accent6"/>
+          </a:fillRef>
+          <a:effectRef idx="2">
+            <a:schemeClr val="accent6"/>
+          </a:effectRef>
+          <a:fontRef idx="minor">
+            <a:schemeClr val="lt1"/>
+          </a:fontRef>
+        </p:style>
+        <p:txBody>
+          <a:bodyPr rtlCol="0" anchor="ctr"/>
+          <a:lstStyle/>
+          <a:p>
+            <a:pPr algn="ctr"/>
+            <a:endParaRPr kumimoji="1" lang="ja-JP" altLang="en-US"/>
+          </a:p>
+        </p:txBody>
+      </p:sp>
+      <p:sp>
+        <p:nvSpPr>
+          <p:cNvPr id="10" name="矢印: 右 9">
+            <a:extLst>
+              <a:ext uri="{FF2B5EF4-FFF2-40B4-BE49-F238E27FC236}">
+                <a16:creationId xmlns:a16="http://schemas.microsoft.com/office/drawing/2014/main" id="{47A498A2-55A7-BBBF-4281-401E4E8A9CDE}"/>
+              </a:ext>
+            </a:extLst>
+          </p:cNvPr>
+          <p:cNvSpPr/>
+          <p:nvPr/>
+        </p:nvSpPr>
+        <p:spPr>
+          <a:xfrm>
+            <a:off x="6354420" y="4949601"/>
+            <a:ext cx="649356" cy="703228"/>
+          </a:xfrm>
+          <a:prstGeom prst="rightArrow">
+            <a:avLst/>
+          </a:prstGeom>
+          <a:solidFill>
+            <a:srgbClr val="92D050"/>
+          </a:solidFill>
+          <a:ln>
+            <a:solidFill>
+              <a:schemeClr val="tx1">
+                <a:lumMod val="95000"/>
+                <a:lumOff val="5000"/>
+              </a:schemeClr>
+            </a:solidFill>
+          </a:ln>
+        </p:spPr>
+        <p:style>
+          <a:lnRef idx="1">
+            <a:schemeClr val="accent6"/>
+          </a:lnRef>
+          <a:fillRef idx="3">
+            <a:schemeClr val="accent6"/>
+          </a:fillRef>
+          <a:effectRef idx="2">
+            <a:schemeClr val="accent6"/>
+          </a:effectRef>
+          <a:fontRef idx="minor">
+            <a:schemeClr val="lt1"/>
+          </a:fontRef>
+        </p:style>
+        <p:txBody>
+          <a:bodyPr rtlCol="0" anchor="ctr"/>
+          <a:lstStyle/>
+          <a:p>
+            <a:pPr algn="ctr"/>
+            <a:endParaRPr kumimoji="1" lang="ja-JP" altLang="en-US"/>
+          </a:p>
+        </p:txBody>
+      </p:sp>
+    </p:spTree>
+    <p:extLst>
+      <p:ext uri="{BB962C8B-B14F-4D97-AF65-F5344CB8AC3E}">
+        <p14:creationId xmlns:p14="http://schemas.microsoft.com/office/powerpoint/2010/main" val="3383321665"/>
+      </p:ext>
+    </p:extLst>
+  </p:cSld>
+  <p:clrMapOvr>
+    <a:masterClrMapping/>
+  </p:clrMapOvr>
+</p:sld>
+</file>
+
+<file path=ppt/slides/slide6.xml><?xml version="1.0" encoding="utf-8"?>
+<p:sld xmlns:a="http://schemas.openxmlformats.org/drawingml/2006/main" xmlns:r="http://schemas.openxmlformats.org/officeDocument/2006/relationships" xmlns:p="http://schemas.openxmlformats.org/presentationml/2006/main">
+  <p:cSld>
+    <p:bg>
+      <p:bgPr>
+        <a:blipFill dpi="0" rotWithShape="1">
+          <a:blip r:embed="rId2">
+            <a:alphaModFix amt="70000"/>
+            <a:lum/>
+            <a:extLst>
+              <a:ext uri="{BEBA8EAE-BF5A-486C-A8C5-ECC9F3942E4B}">
+                <a14:imgProps xmlns:a14="http://schemas.microsoft.com/office/drawing/2010/main">
+                  <a14:imgLayer r:embed="rId3">
+                    <a14:imgEffect>
+                      <a14:artisticCutout trans="8000"/>
+                    </a14:imgEffect>
+                    <a14:imgEffect>
+                      <a14:saturation sat="97000"/>
+                    </a14:imgEffect>
+                  </a14:imgLayer>
+                </a14:imgProps>
+              </a:ext>
+            </a:extLst>
+          </a:blip>
+          <a:srcRect/>
+          <a:stretch>
+            <a:fillRect/>
+          </a:stretch>
+        </a:blipFill>
+        <a:effectLst/>
+      </p:bgPr>
+    </p:bg>
+    <p:spTree>
+      <p:nvGrpSpPr>
+        <p:cNvPr id="1" name=""/>
+        <p:cNvGrpSpPr/>
+        <p:nvPr/>
+      </p:nvGrpSpPr>
+      <p:grpSpPr>
+        <a:xfrm>
+          <a:off x="0" y="0"/>
+          <a:ext cx="0" cy="0"/>
+          <a:chOff x="0" y="0"/>
+          <a:chExt cx="0" cy="0"/>
+        </a:xfrm>
+      </p:grpSpPr>
+      <p:sp>
+        <p:nvSpPr>
+          <p:cNvPr id="2" name="タイトル 1">
+            <a:extLst>
+              <a:ext uri="{FF2B5EF4-FFF2-40B4-BE49-F238E27FC236}">
+                <a16:creationId xmlns:a16="http://schemas.microsoft.com/office/drawing/2014/main" id="{29CBEF91-EF07-B474-EE65-8A86109BCE88}"/>
+              </a:ext>
+            </a:extLst>
+          </p:cNvPr>
+          <p:cNvSpPr>
+            <a:spLocks noGrp="1"/>
+          </p:cNvSpPr>
+          <p:nvPr>
+            <p:ph type="title"/>
+          </p:nvPr>
+        </p:nvSpPr>
+        <p:spPr>
+          <a:xfrm>
             <a:off x="1603716" y="365125"/>
             <a:ext cx="9750083" cy="1325563"/>
           </a:xfrm>
@@ -5030,7 +5911,7 @@
 </p:sld>
 </file>
 
-<file path=ppt/slides/slide5.xml><?xml version="1.0" encoding="utf-8"?>
+<file path=ppt/slides/slide7.xml><?xml version="1.0" encoding="utf-8"?>
 <p:sld xmlns:a="http://schemas.openxmlformats.org/drawingml/2006/main" xmlns:r="http://schemas.openxmlformats.org/officeDocument/2006/relationships" xmlns:p="http://schemas.openxmlformats.org/presentationml/2006/main">
   <p:cSld>
     <p:bg>
@@ -5299,7 +6180,7 @@
 </p:sld>
 </file>
 
-<file path=ppt/slides/slide6.xml><?xml version="1.0" encoding="utf-8"?>
+<file path=ppt/slides/slide8.xml><?xml version="1.0" encoding="utf-8"?>
 <p:sld xmlns:a="http://schemas.openxmlformats.org/drawingml/2006/main" xmlns:r="http://schemas.openxmlformats.org/officeDocument/2006/relationships" xmlns:p="http://schemas.openxmlformats.org/presentationml/2006/main">
   <p:cSld>
     <p:spTree>
